--- a/ProgettoPCSslides.pptx
+++ b/ProgettoPCSslides.pptx
@@ -38,8 +38,8 @@
     <p:sldId id="294" r:id="rId35"/>
     <p:sldId id="295" r:id="rId36"/>
     <p:sldId id="296" r:id="rId37"/>
-    <p:sldId id="298" r:id="rId38"/>
-    <p:sldId id="299" r:id="rId39"/>
+    <p:sldId id="299" r:id="rId38"/>
+    <p:sldId id="298" r:id="rId39"/>
     <p:sldId id="304" r:id="rId40"/>
     <p:sldId id="303" r:id="rId41"/>
     <p:sldId id="288" r:id="rId42"/>
@@ -305,7 +305,7 @@
           <a:p>
             <a:fld id="{D41B5ED9-3543-4DC2-9220-B15C9C0D71E9}" type="datetimeFigureOut">
               <a:rPr lang="it-IT" smtClean="0"/>
-              <a:t>07/06/2024</a:t>
+              <a:t>12/06/2024</a:t>
             </a:fld>
             <a:endParaRPr lang="it-IT"/>
           </a:p>
@@ -503,7 +503,7 @@
           <a:p>
             <a:fld id="{D41B5ED9-3543-4DC2-9220-B15C9C0D71E9}" type="datetimeFigureOut">
               <a:rPr lang="it-IT" smtClean="0"/>
-              <a:t>07/06/2024</a:t>
+              <a:t>12/06/2024</a:t>
             </a:fld>
             <a:endParaRPr lang="it-IT"/>
           </a:p>
@@ -711,7 +711,7 @@
           <a:p>
             <a:fld id="{D41B5ED9-3543-4DC2-9220-B15C9C0D71E9}" type="datetimeFigureOut">
               <a:rPr lang="it-IT" smtClean="0"/>
-              <a:t>07/06/2024</a:t>
+              <a:t>12/06/2024</a:t>
             </a:fld>
             <a:endParaRPr lang="it-IT"/>
           </a:p>
@@ -909,7 +909,7 @@
           <a:p>
             <a:fld id="{D41B5ED9-3543-4DC2-9220-B15C9C0D71E9}" type="datetimeFigureOut">
               <a:rPr lang="it-IT" smtClean="0"/>
-              <a:t>07/06/2024</a:t>
+              <a:t>12/06/2024</a:t>
             </a:fld>
             <a:endParaRPr lang="it-IT"/>
           </a:p>
@@ -1184,7 +1184,7 @@
           <a:p>
             <a:fld id="{D41B5ED9-3543-4DC2-9220-B15C9C0D71E9}" type="datetimeFigureOut">
               <a:rPr lang="it-IT" smtClean="0"/>
-              <a:t>07/06/2024</a:t>
+              <a:t>12/06/2024</a:t>
             </a:fld>
             <a:endParaRPr lang="it-IT"/>
           </a:p>
@@ -1449,7 +1449,7 @@
           <a:p>
             <a:fld id="{D41B5ED9-3543-4DC2-9220-B15C9C0D71E9}" type="datetimeFigureOut">
               <a:rPr lang="it-IT" smtClean="0"/>
-              <a:t>07/06/2024</a:t>
+              <a:t>12/06/2024</a:t>
             </a:fld>
             <a:endParaRPr lang="it-IT"/>
           </a:p>
@@ -1861,7 +1861,7 @@
           <a:p>
             <a:fld id="{D41B5ED9-3543-4DC2-9220-B15C9C0D71E9}" type="datetimeFigureOut">
               <a:rPr lang="it-IT" smtClean="0"/>
-              <a:t>07/06/2024</a:t>
+              <a:t>12/06/2024</a:t>
             </a:fld>
             <a:endParaRPr lang="it-IT"/>
           </a:p>
@@ -2002,7 +2002,7 @@
           <a:p>
             <a:fld id="{D41B5ED9-3543-4DC2-9220-B15C9C0D71E9}" type="datetimeFigureOut">
               <a:rPr lang="it-IT" smtClean="0"/>
-              <a:t>07/06/2024</a:t>
+              <a:t>12/06/2024</a:t>
             </a:fld>
             <a:endParaRPr lang="it-IT"/>
           </a:p>
@@ -2115,7 +2115,7 @@
           <a:p>
             <a:fld id="{D41B5ED9-3543-4DC2-9220-B15C9C0D71E9}" type="datetimeFigureOut">
               <a:rPr lang="it-IT" smtClean="0"/>
-              <a:t>07/06/2024</a:t>
+              <a:t>12/06/2024</a:t>
             </a:fld>
             <a:endParaRPr lang="it-IT"/>
           </a:p>
@@ -2426,7 +2426,7 @@
           <a:p>
             <a:fld id="{D41B5ED9-3543-4DC2-9220-B15C9C0D71E9}" type="datetimeFigureOut">
               <a:rPr lang="it-IT" smtClean="0"/>
-              <a:t>07/06/2024</a:t>
+              <a:t>12/06/2024</a:t>
             </a:fld>
             <a:endParaRPr lang="it-IT"/>
           </a:p>
@@ -2714,7 +2714,7 @@
           <a:p>
             <a:fld id="{D41B5ED9-3543-4DC2-9220-B15C9C0D71E9}" type="datetimeFigureOut">
               <a:rPr lang="it-IT" smtClean="0"/>
-              <a:t>07/06/2024</a:t>
+              <a:t>12/06/2024</a:t>
             </a:fld>
             <a:endParaRPr lang="it-IT"/>
           </a:p>
@@ -2955,7 +2955,7 @@
           <a:p>
             <a:fld id="{D41B5ED9-3543-4DC2-9220-B15C9C0D71E9}" type="datetimeFigureOut">
               <a:rPr lang="it-IT" smtClean="0"/>
-              <a:t>07/06/2024</a:t>
+              <a:t>12/06/2024</a:t>
             </a:fld>
             <a:endParaRPr lang="it-IT"/>
           </a:p>
@@ -30191,7 +30191,7 @@
         <p:spPr>
           <a:xfrm>
             <a:off x="12428707" y="6376105"/>
-            <a:ext cx="2383986" cy="369332"/>
+            <a:ext cx="4509953" cy="369332"/>
           </a:xfrm>
           <a:prstGeom prst="rect">
             <a:avLst/>
@@ -30203,7 +30203,7 @@
           </a:bodyPr>
           <a:lstStyle/>
           <a:p>
-            <a:pPr lvl="0">
+            <a:pPr>
               <a:defRPr/>
             </a:pPr>
             <a:r>
@@ -30214,7 +30214,7 @@
                 <a:latin typeface="Times New Roman" panose="02020603050405020304" pitchFamily="18" charset="0"/>
                 <a:cs typeface="Times New Roman" panose="02020603050405020304" pitchFamily="18" charset="0"/>
               </a:rPr>
-              <a:t>CASO ONTHEPLANE</a:t>
+              <a:t>CASO CON LA TRACCIA SU UN VERTICE</a:t>
             </a:r>
           </a:p>
         </p:txBody>
@@ -30245,847 +30245,6 @@
 </file>
 
 <file path=ppt/slides/slide34.xml><?xml version="1.0" encoding="utf-8"?>
-<p:sld xmlns:a="http://schemas.openxmlformats.org/drawingml/2006/main" xmlns:r="http://schemas.openxmlformats.org/officeDocument/2006/relationships" xmlns:p="http://schemas.openxmlformats.org/presentationml/2006/main">
-  <p:cSld>
-    <p:spTree>
-      <p:nvGrpSpPr>
-        <p:cNvPr id="1" name=""/>
-        <p:cNvGrpSpPr/>
-        <p:nvPr/>
-      </p:nvGrpSpPr>
-      <p:grpSpPr>
-        <a:xfrm>
-          <a:off x="0" y="0"/>
-          <a:ext cx="0" cy="0"/>
-          <a:chOff x="0" y="0"/>
-          <a:chExt cx="0" cy="0"/>
-        </a:xfrm>
-      </p:grpSpPr>
-      <p:sp>
-        <p:nvSpPr>
-          <p:cNvPr id="10" name="Connettore pagina esterna 9">
-            <a:extLst>
-              <a:ext uri="{FF2B5EF4-FFF2-40B4-BE49-F238E27FC236}">
-                <a16:creationId xmlns:a16="http://schemas.microsoft.com/office/drawing/2014/main" id="{BD59E837-8C5A-4746-AF4D-E416FED3FE56}"/>
-              </a:ext>
-            </a:extLst>
-          </p:cNvPr>
-          <p:cNvSpPr/>
-          <p:nvPr/>
-        </p:nvSpPr>
-        <p:spPr>
-          <a:xfrm>
-            <a:off x="424940" y="0"/>
-            <a:ext cx="1118681" cy="1840872"/>
-          </a:xfrm>
-          <a:prstGeom prst="flowChartOffpageConnector">
-            <a:avLst/>
-          </a:prstGeom>
-          <a:gradFill flip="none" rotWithShape="1">
-            <a:gsLst>
-              <a:gs pos="0">
-                <a:srgbClr val="A24057"/>
-              </a:gs>
-              <a:gs pos="43000">
-                <a:srgbClr val="BC5870"/>
-              </a:gs>
-              <a:gs pos="25160">
-                <a:srgbClr val="B44C65"/>
-              </a:gs>
-              <a:gs pos="81000">
-                <a:srgbClr val="C57588"/>
-              </a:gs>
-              <a:gs pos="65000">
-                <a:srgbClr val="CA7C8F"/>
-              </a:gs>
-              <a:gs pos="99000">
-                <a:srgbClr val="D391A1"/>
-              </a:gs>
-            </a:gsLst>
-            <a:lin ang="16200000" scaled="1"/>
-            <a:tileRect/>
-          </a:gradFill>
-          <a:ln>
-            <a:solidFill>
-              <a:srgbClr val="B0465F"/>
-            </a:solidFill>
-          </a:ln>
-        </p:spPr>
-        <p:style>
-          <a:lnRef idx="2">
-            <a:schemeClr val="accent1">
-              <a:shade val="50000"/>
-            </a:schemeClr>
-          </a:lnRef>
-          <a:fillRef idx="1">
-            <a:schemeClr val="accent1"/>
-          </a:fillRef>
-          <a:effectRef idx="0">
-            <a:schemeClr val="accent1"/>
-          </a:effectRef>
-          <a:fontRef idx="minor">
-            <a:schemeClr val="lt1"/>
-          </a:fontRef>
-        </p:style>
-        <p:txBody>
-          <a:bodyPr rtlCol="0" anchor="ctr" anchorCtr="0"/>
-          <a:lstStyle/>
-          <a:p>
-            <a:pPr marL="0" marR="0" lvl="0" indent="0" algn="ctr" defTabSz="914400" rtl="0" eaLnBrk="1" fontAlgn="auto" latinLnBrk="0" hangingPunct="1">
-              <a:lnSpc>
-                <a:spcPct val="100000"/>
-              </a:lnSpc>
-              <a:spcBef>
-                <a:spcPts val="1000"/>
-              </a:spcBef>
-              <a:spcAft>
-                <a:spcPts val="0"/>
-              </a:spcAft>
-              <a:buClrTx/>
-              <a:buSzTx/>
-              <a:buFontTx/>
-              <a:buNone/>
-              <a:tabLst/>
-              <a:defRPr/>
-            </a:pPr>
-            <a:endParaRPr kumimoji="0" lang="it-IT" sz="2800" b="0" i="0" u="none" strike="noStrike" kern="1200" cap="none" spc="0" normalizeH="0" baseline="0" noProof="0" dirty="0">
-              <a:ln>
-                <a:noFill/>
-              </a:ln>
-              <a:solidFill>
-                <a:prstClr val="white"/>
-              </a:solidFill>
-              <a:effectLst/>
-              <a:uLnTx/>
-              <a:uFillTx/>
-              <a:latin typeface="Times New Roman" panose="02020603050405020304" pitchFamily="18" charset="0"/>
-              <a:ea typeface="+mn-ea"/>
-              <a:cs typeface="Times New Roman" panose="02020603050405020304" pitchFamily="18" charset="0"/>
-            </a:endParaRPr>
-          </a:p>
-        </p:txBody>
-      </p:sp>
-      <p:pic>
-        <p:nvPicPr>
-          <p:cNvPr id="1026" name="Picture 2" descr="Home – Planet">
-            <a:extLst>
-              <a:ext uri="{FF2B5EF4-FFF2-40B4-BE49-F238E27FC236}">
-                <a16:creationId xmlns:a16="http://schemas.microsoft.com/office/drawing/2014/main" id="{ED775197-2553-4861-A1BF-CCB9B81C9D62}"/>
-              </a:ext>
-            </a:extLst>
-          </p:cNvPr>
-          <p:cNvPicPr>
-            <a:picLocks noChangeAspect="1" noChangeArrowheads="1"/>
-          </p:cNvPicPr>
-          <p:nvPr/>
-        </p:nvPicPr>
-        <p:blipFill>
-          <a:blip r:embed="rId2">
-            <a:extLst>
-              <a:ext uri="{28A0092B-C50C-407E-A947-70E740481C1C}">
-                <a14:useLocalDpi xmlns:a14="http://schemas.microsoft.com/office/drawing/2010/main" val="0"/>
-              </a:ext>
-            </a:extLst>
-          </a:blip>
-          <a:srcRect/>
-          <a:stretch>
-            <a:fillRect/>
-          </a:stretch>
-        </p:blipFill>
-        <p:spPr bwMode="auto">
-          <a:xfrm>
-            <a:off x="489099" y="463661"/>
-            <a:ext cx="2203540" cy="966918"/>
-          </a:xfrm>
-          <a:prstGeom prst="rect">
-            <a:avLst/>
-          </a:prstGeom>
-          <a:noFill/>
-          <a:extLst>
-            <a:ext uri="{909E8E84-426E-40DD-AFC4-6F175D3DCCD1}">
-              <a14:hiddenFill xmlns:a14="http://schemas.microsoft.com/office/drawing/2010/main">
-                <a:solidFill>
-                  <a:srgbClr val="FFFFFF"/>
-                </a:solidFill>
-              </a14:hiddenFill>
-            </a:ext>
-          </a:extLst>
-        </p:spPr>
-      </p:pic>
-      <p:sp>
-        <p:nvSpPr>
-          <p:cNvPr id="5" name="Rettangolo 4">
-            <a:extLst>
-              <a:ext uri="{FF2B5EF4-FFF2-40B4-BE49-F238E27FC236}">
-                <a16:creationId xmlns:a16="http://schemas.microsoft.com/office/drawing/2014/main" id="{E4E1E4B7-119B-C435-7730-F6EABB1715A5}"/>
-              </a:ext>
-            </a:extLst>
-          </p:cNvPr>
-          <p:cNvSpPr/>
-          <p:nvPr/>
-        </p:nvSpPr>
-        <p:spPr>
-          <a:xfrm>
-            <a:off x="0" y="6238865"/>
-            <a:ext cx="12192000" cy="643812"/>
-          </a:xfrm>
-          <a:prstGeom prst="rect">
-            <a:avLst/>
-          </a:prstGeom>
-          <a:gradFill flip="none" rotWithShape="1">
-            <a:gsLst>
-              <a:gs pos="0">
-                <a:srgbClr val="A24057"/>
-              </a:gs>
-              <a:gs pos="43000">
-                <a:srgbClr val="BC5870"/>
-              </a:gs>
-              <a:gs pos="25160">
-                <a:srgbClr val="B44C65"/>
-              </a:gs>
-              <a:gs pos="81000">
-                <a:srgbClr val="C57588"/>
-              </a:gs>
-              <a:gs pos="65000">
-                <a:srgbClr val="CA7C8F"/>
-              </a:gs>
-              <a:gs pos="99000">
-                <a:srgbClr val="D391A1"/>
-              </a:gs>
-            </a:gsLst>
-            <a:lin ang="16200000" scaled="1"/>
-            <a:tileRect/>
-          </a:gradFill>
-          <a:ln>
-            <a:solidFill>
-              <a:srgbClr val="B0465F"/>
-            </a:solidFill>
-          </a:ln>
-        </p:spPr>
-        <p:style>
-          <a:lnRef idx="2">
-            <a:schemeClr val="accent1">
-              <a:shade val="50000"/>
-            </a:schemeClr>
-          </a:lnRef>
-          <a:fillRef idx="1">
-            <a:schemeClr val="accent1"/>
-          </a:fillRef>
-          <a:effectRef idx="0">
-            <a:schemeClr val="accent1"/>
-          </a:effectRef>
-          <a:fontRef idx="minor">
-            <a:schemeClr val="lt1"/>
-          </a:fontRef>
-        </p:style>
-        <p:txBody>
-          <a:bodyPr rIns="9720000" rtlCol="0" anchor="ctr" anchorCtr="0"/>
-          <a:lstStyle/>
-          <a:p>
-            <a:pPr marL="0" marR="0" lvl="0" indent="0" algn="ctr" defTabSz="914400" rtl="0" eaLnBrk="1" fontAlgn="auto" latinLnBrk="0" hangingPunct="1">
-              <a:lnSpc>
-                <a:spcPct val="100000"/>
-              </a:lnSpc>
-              <a:spcBef>
-                <a:spcPts val="0"/>
-              </a:spcBef>
-              <a:spcAft>
-                <a:spcPts val="0"/>
-              </a:spcAft>
-              <a:buClrTx/>
-              <a:buSzTx/>
-              <a:buFontTx/>
-              <a:buNone/>
-              <a:tabLst/>
-              <a:defRPr/>
-            </a:pPr>
-            <a:endParaRPr kumimoji="0" lang="it-IT" sz="2800" b="0" i="0" u="none" strike="noStrike" kern="1200" cap="none" spc="0" normalizeH="0" baseline="0" noProof="0" dirty="0">
-              <a:ln>
-                <a:noFill/>
-              </a:ln>
-              <a:solidFill>
-                <a:prstClr val="white"/>
-              </a:solidFill>
-              <a:effectLst/>
-              <a:uLnTx/>
-              <a:uFillTx/>
-              <a:latin typeface="Times New Roman" panose="02020603050405020304" pitchFamily="18" charset="0"/>
-              <a:ea typeface="+mn-ea"/>
-              <a:cs typeface="Times New Roman" panose="02020603050405020304" pitchFamily="18" charset="0"/>
-            </a:endParaRPr>
-          </a:p>
-        </p:txBody>
-      </p:sp>
-      <p:sp>
-        <p:nvSpPr>
-          <p:cNvPr id="4" name="Rettangolo 3">
-            <a:extLst>
-              <a:ext uri="{FF2B5EF4-FFF2-40B4-BE49-F238E27FC236}">
-                <a16:creationId xmlns:a16="http://schemas.microsoft.com/office/drawing/2014/main" id="{E10DE2CF-C86C-4590-A5E2-941F5488E412}"/>
-              </a:ext>
-            </a:extLst>
-          </p:cNvPr>
-          <p:cNvSpPr/>
-          <p:nvPr/>
-        </p:nvSpPr>
-        <p:spPr>
-          <a:xfrm>
-            <a:off x="265890" y="6376105"/>
-            <a:ext cx="7409234" cy="369332"/>
-          </a:xfrm>
-          <a:prstGeom prst="rect">
-            <a:avLst/>
-          </a:prstGeom>
-        </p:spPr>
-        <p:txBody>
-          <a:bodyPr wrap="square">
-            <a:spAutoFit/>
-          </a:bodyPr>
-          <a:lstStyle/>
-          <a:p>
-            <a:pPr lvl="0">
-              <a:defRPr/>
-            </a:pPr>
-            <a:r>
-              <a:rPr lang="it-IT" dirty="0">
-                <a:solidFill>
-                  <a:prstClr val="white"/>
-                </a:solidFill>
-                <a:latin typeface="Times New Roman" panose="02020603050405020304" pitchFamily="18" charset="0"/>
-                <a:cs typeface="Times New Roman" panose="02020603050405020304" pitchFamily="18" charset="0"/>
-              </a:rPr>
-              <a:t>DETERMINARE I SOTTOPOLIGONI GENERATI:</a:t>
-            </a:r>
-          </a:p>
-        </p:txBody>
-      </p:sp>
-      <p:sp>
-        <p:nvSpPr>
-          <p:cNvPr id="7" name="Rettangolo 6">
-            <a:extLst>
-              <a:ext uri="{FF2B5EF4-FFF2-40B4-BE49-F238E27FC236}">
-                <a16:creationId xmlns:a16="http://schemas.microsoft.com/office/drawing/2014/main" id="{6718BB3C-0969-40FF-8DF4-5C6E28320158}"/>
-              </a:ext>
-            </a:extLst>
-          </p:cNvPr>
-          <p:cNvSpPr/>
-          <p:nvPr/>
-        </p:nvSpPr>
-        <p:spPr>
-          <a:xfrm>
-            <a:off x="5216781" y="6376105"/>
-            <a:ext cx="2383986" cy="369332"/>
-          </a:xfrm>
-          <a:prstGeom prst="rect">
-            <a:avLst/>
-          </a:prstGeom>
-        </p:spPr>
-        <p:txBody>
-          <a:bodyPr wrap="none">
-            <a:spAutoFit/>
-          </a:bodyPr>
-          <a:lstStyle/>
-          <a:p>
-            <a:pPr lvl="0">
-              <a:defRPr/>
-            </a:pPr>
-            <a:r>
-              <a:rPr lang="it-IT" dirty="0">
-                <a:solidFill>
-                  <a:prstClr val="white"/>
-                </a:solidFill>
-                <a:latin typeface="Times New Roman" panose="02020603050405020304" pitchFamily="18" charset="0"/>
-                <a:cs typeface="Times New Roman" panose="02020603050405020304" pitchFamily="18" charset="0"/>
-              </a:rPr>
-              <a:t>CASO ONTHEPLANE</a:t>
-            </a:r>
-          </a:p>
-        </p:txBody>
-      </p:sp>
-      <p:sp>
-        <p:nvSpPr>
-          <p:cNvPr id="27" name="Rettangolo 26">
-            <a:extLst>
-              <a:ext uri="{FF2B5EF4-FFF2-40B4-BE49-F238E27FC236}">
-                <a16:creationId xmlns:a16="http://schemas.microsoft.com/office/drawing/2014/main" id="{7EAFD640-9479-4DDD-AA4F-4807D663240C}"/>
-              </a:ext>
-            </a:extLst>
-          </p:cNvPr>
-          <p:cNvSpPr/>
-          <p:nvPr/>
-        </p:nvSpPr>
-        <p:spPr>
-          <a:xfrm>
-            <a:off x="3558401" y="1401018"/>
-            <a:ext cx="5460294" cy="3606617"/>
-          </a:xfrm>
-          <a:prstGeom prst="rect">
-            <a:avLst/>
-          </a:prstGeom>
-          <a:solidFill>
-            <a:srgbClr val="ABC0E4"/>
-          </a:solidFill>
-        </p:spPr>
-        <p:style>
-          <a:lnRef idx="2">
-            <a:schemeClr val="accent1">
-              <a:shade val="50000"/>
-            </a:schemeClr>
-          </a:lnRef>
-          <a:fillRef idx="1">
-            <a:schemeClr val="accent1"/>
-          </a:fillRef>
-          <a:effectRef idx="0">
-            <a:schemeClr val="accent1"/>
-          </a:effectRef>
-          <a:fontRef idx="minor">
-            <a:schemeClr val="lt1"/>
-          </a:fontRef>
-        </p:style>
-        <p:txBody>
-          <a:bodyPr rtlCol="0" anchor="ctr"/>
-          <a:lstStyle/>
-          <a:p>
-            <a:pPr marL="0" marR="0" lvl="0" indent="0" algn="ctr" defTabSz="914400" rtl="0" eaLnBrk="1" fontAlgn="auto" latinLnBrk="0" hangingPunct="1">
-              <a:lnSpc>
-                <a:spcPct val="100000"/>
-              </a:lnSpc>
-              <a:spcBef>
-                <a:spcPts val="0"/>
-              </a:spcBef>
-              <a:spcAft>
-                <a:spcPts val="0"/>
-              </a:spcAft>
-              <a:buClrTx/>
-              <a:buSzTx/>
-              <a:buFontTx/>
-              <a:buNone/>
-              <a:tabLst/>
-              <a:defRPr/>
-            </a:pPr>
-            <a:endParaRPr kumimoji="0" lang="it-IT" sz="1800" b="0" i="0" u="none" strike="noStrike" kern="1200" cap="none" spc="0" normalizeH="0" baseline="0" noProof="0" dirty="0">
-              <a:ln>
-                <a:noFill/>
-              </a:ln>
-              <a:solidFill>
-                <a:prstClr val="white"/>
-              </a:solidFill>
-              <a:effectLst/>
-              <a:uLnTx/>
-              <a:uFillTx/>
-              <a:latin typeface="Calibri" panose="020F0502020204030204"/>
-              <a:ea typeface="+mn-ea"/>
-              <a:cs typeface="+mn-cs"/>
-            </a:endParaRPr>
-          </a:p>
-        </p:txBody>
-      </p:sp>
-      <p:cxnSp>
-        <p:nvCxnSpPr>
-          <p:cNvPr id="32" name="Connettore diritto 31">
-            <a:extLst>
-              <a:ext uri="{FF2B5EF4-FFF2-40B4-BE49-F238E27FC236}">
-                <a16:creationId xmlns:a16="http://schemas.microsoft.com/office/drawing/2014/main" id="{B9D4B4E4-F4E6-486D-834B-5EB09E081211}"/>
-              </a:ext>
-            </a:extLst>
-          </p:cNvPr>
-          <p:cNvCxnSpPr>
-            <a:cxnSpLocks/>
-          </p:cNvCxnSpPr>
-          <p:nvPr/>
-        </p:nvCxnSpPr>
-        <p:spPr>
-          <a:xfrm>
-            <a:off x="4717915" y="1401018"/>
-            <a:ext cx="2081370" cy="1"/>
-          </a:xfrm>
-          <a:prstGeom prst="line">
-            <a:avLst/>
-          </a:prstGeom>
-          <a:ln w="28575">
-            <a:solidFill>
-              <a:srgbClr val="C00000"/>
-            </a:solidFill>
-          </a:ln>
-        </p:spPr>
-        <p:style>
-          <a:lnRef idx="1">
-            <a:schemeClr val="accent1"/>
-          </a:lnRef>
-          <a:fillRef idx="0">
-            <a:schemeClr val="accent1"/>
-          </a:fillRef>
-          <a:effectRef idx="0">
-            <a:schemeClr val="accent1"/>
-          </a:effectRef>
-          <a:fontRef idx="minor">
-            <a:schemeClr val="tx1"/>
-          </a:fontRef>
-        </p:style>
-      </p:cxnSp>
-      <p:sp>
-        <p:nvSpPr>
-          <p:cNvPr id="34" name="Ovale 33">
-            <a:extLst>
-              <a:ext uri="{FF2B5EF4-FFF2-40B4-BE49-F238E27FC236}">
-                <a16:creationId xmlns:a16="http://schemas.microsoft.com/office/drawing/2014/main" id="{52C5B786-FFEC-4890-AB62-124C30B1DCBE}"/>
-              </a:ext>
-            </a:extLst>
-          </p:cNvPr>
-          <p:cNvSpPr/>
-          <p:nvPr/>
-        </p:nvSpPr>
-        <p:spPr>
-          <a:xfrm>
-            <a:off x="8940872" y="1319959"/>
-            <a:ext cx="155643" cy="162118"/>
-          </a:xfrm>
-          <a:prstGeom prst="ellipse">
-            <a:avLst/>
-          </a:prstGeom>
-          <a:solidFill>
-            <a:srgbClr val="002060"/>
-          </a:solidFill>
-        </p:spPr>
-        <p:style>
-          <a:lnRef idx="2">
-            <a:schemeClr val="accent1">
-              <a:shade val="50000"/>
-            </a:schemeClr>
-          </a:lnRef>
-          <a:fillRef idx="1">
-            <a:schemeClr val="accent1"/>
-          </a:fillRef>
-          <a:effectRef idx="0">
-            <a:schemeClr val="accent1"/>
-          </a:effectRef>
-          <a:fontRef idx="minor">
-            <a:schemeClr val="lt1"/>
-          </a:fontRef>
-        </p:style>
-        <p:txBody>
-          <a:bodyPr rtlCol="0" anchor="ctr"/>
-          <a:lstStyle/>
-          <a:p>
-            <a:pPr algn="ctr"/>
-            <a:endParaRPr lang="it-IT"/>
-          </a:p>
-        </p:txBody>
-      </p:sp>
-      <p:sp>
-        <p:nvSpPr>
-          <p:cNvPr id="35" name="Ovale 34">
-            <a:extLst>
-              <a:ext uri="{FF2B5EF4-FFF2-40B4-BE49-F238E27FC236}">
-                <a16:creationId xmlns:a16="http://schemas.microsoft.com/office/drawing/2014/main" id="{DCCA9BB1-44B4-4678-AB3B-6E505F36094E}"/>
-              </a:ext>
-            </a:extLst>
-          </p:cNvPr>
-          <p:cNvSpPr/>
-          <p:nvPr/>
-        </p:nvSpPr>
-        <p:spPr>
-          <a:xfrm>
-            <a:off x="8940873" y="4923919"/>
-            <a:ext cx="155643" cy="162118"/>
-          </a:xfrm>
-          <a:prstGeom prst="ellipse">
-            <a:avLst/>
-          </a:prstGeom>
-          <a:solidFill>
-            <a:srgbClr val="002060"/>
-          </a:solidFill>
-        </p:spPr>
-        <p:style>
-          <a:lnRef idx="2">
-            <a:schemeClr val="accent1">
-              <a:shade val="50000"/>
-            </a:schemeClr>
-          </a:lnRef>
-          <a:fillRef idx="1">
-            <a:schemeClr val="accent1"/>
-          </a:fillRef>
-          <a:effectRef idx="0">
-            <a:schemeClr val="accent1"/>
-          </a:effectRef>
-          <a:fontRef idx="minor">
-            <a:schemeClr val="lt1"/>
-          </a:fontRef>
-        </p:style>
-        <p:txBody>
-          <a:bodyPr rtlCol="0" anchor="ctr"/>
-          <a:lstStyle/>
-          <a:p>
-            <a:pPr algn="ctr"/>
-            <a:endParaRPr lang="it-IT"/>
-          </a:p>
-        </p:txBody>
-      </p:sp>
-      <p:sp>
-        <p:nvSpPr>
-          <p:cNvPr id="36" name="Ovale 35">
-            <a:extLst>
-              <a:ext uri="{FF2B5EF4-FFF2-40B4-BE49-F238E27FC236}">
-                <a16:creationId xmlns:a16="http://schemas.microsoft.com/office/drawing/2014/main" id="{B580D02B-3587-487A-B431-DB5A34581760}"/>
-              </a:ext>
-            </a:extLst>
-          </p:cNvPr>
-          <p:cNvSpPr/>
-          <p:nvPr/>
-        </p:nvSpPr>
-        <p:spPr>
-          <a:xfrm>
-            <a:off x="3475938" y="4929690"/>
-            <a:ext cx="155643" cy="162118"/>
-          </a:xfrm>
-          <a:prstGeom prst="ellipse">
-            <a:avLst/>
-          </a:prstGeom>
-          <a:solidFill>
-            <a:srgbClr val="002060"/>
-          </a:solidFill>
-        </p:spPr>
-        <p:style>
-          <a:lnRef idx="2">
-            <a:schemeClr val="accent1">
-              <a:shade val="50000"/>
-            </a:schemeClr>
-          </a:lnRef>
-          <a:fillRef idx="1">
-            <a:schemeClr val="accent1"/>
-          </a:fillRef>
-          <a:effectRef idx="0">
-            <a:schemeClr val="accent1"/>
-          </a:effectRef>
-          <a:fontRef idx="minor">
-            <a:schemeClr val="lt1"/>
-          </a:fontRef>
-        </p:style>
-        <p:txBody>
-          <a:bodyPr rtlCol="0" anchor="ctr"/>
-          <a:lstStyle/>
-          <a:p>
-            <a:pPr algn="ctr"/>
-            <a:endParaRPr lang="it-IT"/>
-          </a:p>
-        </p:txBody>
-      </p:sp>
-      <p:sp>
-        <p:nvSpPr>
-          <p:cNvPr id="37" name="Ovale 36">
-            <a:extLst>
-              <a:ext uri="{FF2B5EF4-FFF2-40B4-BE49-F238E27FC236}">
-                <a16:creationId xmlns:a16="http://schemas.microsoft.com/office/drawing/2014/main" id="{5B574DF3-C6EA-4DEF-9665-E3ECACB47868}"/>
-              </a:ext>
-            </a:extLst>
-          </p:cNvPr>
-          <p:cNvSpPr/>
-          <p:nvPr/>
-        </p:nvSpPr>
-        <p:spPr>
-          <a:xfrm>
-            <a:off x="6760374" y="1319959"/>
-            <a:ext cx="155643" cy="162118"/>
-          </a:xfrm>
-          <a:prstGeom prst="ellipse">
-            <a:avLst/>
-          </a:prstGeom>
-          <a:solidFill>
-            <a:srgbClr val="002060"/>
-          </a:solidFill>
-        </p:spPr>
-        <p:style>
-          <a:lnRef idx="2">
-            <a:schemeClr val="accent1">
-              <a:shade val="50000"/>
-            </a:schemeClr>
-          </a:lnRef>
-          <a:fillRef idx="1">
-            <a:schemeClr val="accent1"/>
-          </a:fillRef>
-          <a:effectRef idx="0">
-            <a:schemeClr val="accent1"/>
-          </a:effectRef>
-          <a:fontRef idx="minor">
-            <a:schemeClr val="lt1"/>
-          </a:fontRef>
-        </p:style>
-        <p:txBody>
-          <a:bodyPr rtlCol="0" anchor="ctr"/>
-          <a:lstStyle/>
-          <a:p>
-            <a:pPr algn="ctr"/>
-            <a:endParaRPr lang="it-IT"/>
-          </a:p>
-        </p:txBody>
-      </p:sp>
-      <p:sp>
-        <p:nvSpPr>
-          <p:cNvPr id="42" name="Ovale 41">
-            <a:extLst>
-              <a:ext uri="{FF2B5EF4-FFF2-40B4-BE49-F238E27FC236}">
-                <a16:creationId xmlns:a16="http://schemas.microsoft.com/office/drawing/2014/main" id="{3444D6F0-1BC0-44EF-8967-7AFC2AACAD2E}"/>
-              </a:ext>
-            </a:extLst>
-          </p:cNvPr>
-          <p:cNvSpPr/>
-          <p:nvPr/>
-        </p:nvSpPr>
-        <p:spPr>
-          <a:xfrm>
-            <a:off x="4639251" y="1316845"/>
-            <a:ext cx="155643" cy="162118"/>
-          </a:xfrm>
-          <a:prstGeom prst="ellipse">
-            <a:avLst/>
-          </a:prstGeom>
-          <a:solidFill>
-            <a:srgbClr val="002060"/>
-          </a:solidFill>
-        </p:spPr>
-        <p:style>
-          <a:lnRef idx="2">
-            <a:schemeClr val="accent1">
-              <a:shade val="50000"/>
-            </a:schemeClr>
-          </a:lnRef>
-          <a:fillRef idx="1">
-            <a:schemeClr val="accent1"/>
-          </a:fillRef>
-          <a:effectRef idx="0">
-            <a:schemeClr val="accent1"/>
-          </a:effectRef>
-          <a:fontRef idx="minor">
-            <a:schemeClr val="lt1"/>
-          </a:fontRef>
-        </p:style>
-        <p:txBody>
-          <a:bodyPr rtlCol="0" anchor="ctr"/>
-          <a:lstStyle/>
-          <a:p>
-            <a:pPr algn="ctr"/>
-            <a:endParaRPr lang="it-IT"/>
-          </a:p>
-        </p:txBody>
-      </p:sp>
-      <p:sp>
-        <p:nvSpPr>
-          <p:cNvPr id="43" name="Ovale 42">
-            <a:extLst>
-              <a:ext uri="{FF2B5EF4-FFF2-40B4-BE49-F238E27FC236}">
-                <a16:creationId xmlns:a16="http://schemas.microsoft.com/office/drawing/2014/main" id="{9268E009-34ED-4143-B306-C1AC8423F2AF}"/>
-              </a:ext>
-            </a:extLst>
-          </p:cNvPr>
-          <p:cNvSpPr/>
-          <p:nvPr/>
-        </p:nvSpPr>
-        <p:spPr>
-          <a:xfrm>
-            <a:off x="3490233" y="1316845"/>
-            <a:ext cx="155643" cy="162118"/>
-          </a:xfrm>
-          <a:prstGeom prst="ellipse">
-            <a:avLst/>
-          </a:prstGeom>
-          <a:solidFill>
-            <a:srgbClr val="002060"/>
-          </a:solidFill>
-        </p:spPr>
-        <p:style>
-          <a:lnRef idx="2">
-            <a:schemeClr val="accent1">
-              <a:shade val="50000"/>
-            </a:schemeClr>
-          </a:lnRef>
-          <a:fillRef idx="1">
-            <a:schemeClr val="accent1"/>
-          </a:fillRef>
-          <a:effectRef idx="0">
-            <a:schemeClr val="accent1"/>
-          </a:effectRef>
-          <a:fontRef idx="minor">
-            <a:schemeClr val="lt1"/>
-          </a:fontRef>
-        </p:style>
-        <p:txBody>
-          <a:bodyPr rtlCol="0" anchor="ctr"/>
-          <a:lstStyle/>
-          <a:p>
-            <a:pPr algn="ctr"/>
-            <a:endParaRPr lang="it-IT"/>
-          </a:p>
-        </p:txBody>
-      </p:sp>
-      <p:sp>
-        <p:nvSpPr>
-          <p:cNvPr id="9" name="Rettangolo 8">
-            <a:extLst>
-              <a:ext uri="{FF2B5EF4-FFF2-40B4-BE49-F238E27FC236}">
-                <a16:creationId xmlns:a16="http://schemas.microsoft.com/office/drawing/2014/main" id="{1F9BC5F0-A46C-41FC-ABC1-0F229A419A2C}"/>
-              </a:ext>
-            </a:extLst>
-          </p:cNvPr>
-          <p:cNvSpPr/>
-          <p:nvPr/>
-        </p:nvSpPr>
-        <p:spPr>
-          <a:xfrm>
-            <a:off x="12192000" y="6376105"/>
-            <a:ext cx="4509953" cy="369332"/>
-          </a:xfrm>
-          <a:prstGeom prst="rect">
-            <a:avLst/>
-          </a:prstGeom>
-        </p:spPr>
-        <p:txBody>
-          <a:bodyPr wrap="none">
-            <a:spAutoFit/>
-          </a:bodyPr>
-          <a:lstStyle/>
-          <a:p>
-            <a:pPr lvl="0">
-              <a:defRPr/>
-            </a:pPr>
-            <a:r>
-              <a:rPr lang="it-IT" dirty="0">
-                <a:solidFill>
-                  <a:prstClr val="white"/>
-                </a:solidFill>
-                <a:latin typeface="Times New Roman" panose="02020603050405020304" pitchFamily="18" charset="0"/>
-                <a:cs typeface="Times New Roman" panose="02020603050405020304" pitchFamily="18" charset="0"/>
-              </a:rPr>
-              <a:t>CASO CON LA TRACCIA SU UN VERTICE</a:t>
-            </a:r>
-          </a:p>
-        </p:txBody>
-      </p:sp>
-    </p:spTree>
-    <p:extLst>
-      <p:ext uri="{BB962C8B-B14F-4D97-AF65-F5344CB8AC3E}">
-        <p14:creationId xmlns:p14="http://schemas.microsoft.com/office/powerpoint/2010/main" val="922724814"/>
-      </p:ext>
-    </p:extLst>
-  </p:cSld>
-  <p:clrMapOvr>
-    <a:masterClrMapping/>
-  </p:clrMapOvr>
-  <mc:AlternateContent xmlns:mc="http://schemas.openxmlformats.org/markup-compatibility/2006" xmlns:p159="http://schemas.microsoft.com/office/powerpoint/2015/09/main">
-    <mc:Choice Requires="p159">
-      <p:transition xmlns:p14="http://schemas.microsoft.com/office/powerpoint/2010/main" spd="slow" p14:dur="2000">
-        <p159:morph option="byObject"/>
-      </p:transition>
-    </mc:Choice>
-    <mc:Fallback xmlns="">
-      <p:transition spd="slow">
-        <p:fade/>
-      </p:transition>
-    </mc:Fallback>
-  </mc:AlternateContent>
-</p:sld>
-</file>
-
-<file path=ppt/slides/slide35.xml><?xml version="1.0" encoding="utf-8"?>
 <p:sld xmlns:a="http://schemas.openxmlformats.org/drawingml/2006/main" xmlns:r="http://schemas.openxmlformats.org/officeDocument/2006/relationships" xmlns:p="http://schemas.openxmlformats.org/presentationml/2006/main">
   <p:cSld>
     <p:spTree>
@@ -32193,6 +31352,847 @@
         <p:spPr>
           <a:xfrm>
             <a:off x="12457890" y="6376105"/>
+            <a:ext cx="2383986" cy="369332"/>
+          </a:xfrm>
+          <a:prstGeom prst="rect">
+            <a:avLst/>
+          </a:prstGeom>
+        </p:spPr>
+        <p:txBody>
+          <a:bodyPr wrap="none">
+            <a:spAutoFit/>
+          </a:bodyPr>
+          <a:lstStyle/>
+          <a:p>
+            <a:pPr>
+              <a:defRPr/>
+            </a:pPr>
+            <a:r>
+              <a:rPr lang="it-IT" dirty="0">
+                <a:solidFill>
+                  <a:prstClr val="white"/>
+                </a:solidFill>
+                <a:latin typeface="Times New Roman" panose="02020603050405020304" pitchFamily="18" charset="0"/>
+                <a:cs typeface="Times New Roman" panose="02020603050405020304" pitchFamily="18" charset="0"/>
+              </a:rPr>
+              <a:t>CASO ONTHEPLANE</a:t>
+            </a:r>
+          </a:p>
+        </p:txBody>
+      </p:sp>
+    </p:spTree>
+    <p:extLst>
+      <p:ext uri="{BB962C8B-B14F-4D97-AF65-F5344CB8AC3E}">
+        <p14:creationId xmlns:p14="http://schemas.microsoft.com/office/powerpoint/2010/main" val="1533132706"/>
+      </p:ext>
+    </p:extLst>
+  </p:cSld>
+  <p:clrMapOvr>
+    <a:masterClrMapping/>
+  </p:clrMapOvr>
+  <mc:AlternateContent xmlns:mc="http://schemas.openxmlformats.org/markup-compatibility/2006" xmlns:p159="http://schemas.microsoft.com/office/powerpoint/2015/09/main">
+    <mc:Choice Requires="p159">
+      <p:transition xmlns:p14="http://schemas.microsoft.com/office/powerpoint/2010/main" spd="slow" p14:dur="2000">
+        <p159:morph option="byObject"/>
+      </p:transition>
+    </mc:Choice>
+    <mc:Fallback xmlns="">
+      <p:transition spd="slow">
+        <p:fade/>
+      </p:transition>
+    </mc:Fallback>
+  </mc:AlternateContent>
+</p:sld>
+</file>
+
+<file path=ppt/slides/slide35.xml><?xml version="1.0" encoding="utf-8"?>
+<p:sld xmlns:a="http://schemas.openxmlformats.org/drawingml/2006/main" xmlns:r="http://schemas.openxmlformats.org/officeDocument/2006/relationships" xmlns:p="http://schemas.openxmlformats.org/presentationml/2006/main">
+  <p:cSld>
+    <p:spTree>
+      <p:nvGrpSpPr>
+        <p:cNvPr id="1" name=""/>
+        <p:cNvGrpSpPr/>
+        <p:nvPr/>
+      </p:nvGrpSpPr>
+      <p:grpSpPr>
+        <a:xfrm>
+          <a:off x="0" y="0"/>
+          <a:ext cx="0" cy="0"/>
+          <a:chOff x="0" y="0"/>
+          <a:chExt cx="0" cy="0"/>
+        </a:xfrm>
+      </p:grpSpPr>
+      <p:sp>
+        <p:nvSpPr>
+          <p:cNvPr id="10" name="Connettore pagina esterna 9">
+            <a:extLst>
+              <a:ext uri="{FF2B5EF4-FFF2-40B4-BE49-F238E27FC236}">
+                <a16:creationId xmlns:a16="http://schemas.microsoft.com/office/drawing/2014/main" id="{BD59E837-8C5A-4746-AF4D-E416FED3FE56}"/>
+              </a:ext>
+            </a:extLst>
+          </p:cNvPr>
+          <p:cNvSpPr/>
+          <p:nvPr/>
+        </p:nvSpPr>
+        <p:spPr>
+          <a:xfrm>
+            <a:off x="424940" y="0"/>
+            <a:ext cx="1118681" cy="1840872"/>
+          </a:xfrm>
+          <a:prstGeom prst="flowChartOffpageConnector">
+            <a:avLst/>
+          </a:prstGeom>
+          <a:gradFill flip="none" rotWithShape="1">
+            <a:gsLst>
+              <a:gs pos="0">
+                <a:srgbClr val="A24057"/>
+              </a:gs>
+              <a:gs pos="43000">
+                <a:srgbClr val="BC5870"/>
+              </a:gs>
+              <a:gs pos="25160">
+                <a:srgbClr val="B44C65"/>
+              </a:gs>
+              <a:gs pos="81000">
+                <a:srgbClr val="C57588"/>
+              </a:gs>
+              <a:gs pos="65000">
+                <a:srgbClr val="CA7C8F"/>
+              </a:gs>
+              <a:gs pos="99000">
+                <a:srgbClr val="D391A1"/>
+              </a:gs>
+            </a:gsLst>
+            <a:lin ang="16200000" scaled="1"/>
+            <a:tileRect/>
+          </a:gradFill>
+          <a:ln>
+            <a:solidFill>
+              <a:srgbClr val="B0465F"/>
+            </a:solidFill>
+          </a:ln>
+        </p:spPr>
+        <p:style>
+          <a:lnRef idx="2">
+            <a:schemeClr val="accent1">
+              <a:shade val="50000"/>
+            </a:schemeClr>
+          </a:lnRef>
+          <a:fillRef idx="1">
+            <a:schemeClr val="accent1"/>
+          </a:fillRef>
+          <a:effectRef idx="0">
+            <a:schemeClr val="accent1"/>
+          </a:effectRef>
+          <a:fontRef idx="minor">
+            <a:schemeClr val="lt1"/>
+          </a:fontRef>
+        </p:style>
+        <p:txBody>
+          <a:bodyPr rtlCol="0" anchor="ctr" anchorCtr="0"/>
+          <a:lstStyle/>
+          <a:p>
+            <a:pPr marL="0" marR="0" lvl="0" indent="0" algn="ctr" defTabSz="914400" rtl="0" eaLnBrk="1" fontAlgn="auto" latinLnBrk="0" hangingPunct="1">
+              <a:lnSpc>
+                <a:spcPct val="100000"/>
+              </a:lnSpc>
+              <a:spcBef>
+                <a:spcPts val="1000"/>
+              </a:spcBef>
+              <a:spcAft>
+                <a:spcPts val="0"/>
+              </a:spcAft>
+              <a:buClrTx/>
+              <a:buSzTx/>
+              <a:buFontTx/>
+              <a:buNone/>
+              <a:tabLst/>
+              <a:defRPr/>
+            </a:pPr>
+            <a:endParaRPr kumimoji="0" lang="it-IT" sz="2800" b="0" i="0" u="none" strike="noStrike" kern="1200" cap="none" spc="0" normalizeH="0" baseline="0" noProof="0" dirty="0">
+              <a:ln>
+                <a:noFill/>
+              </a:ln>
+              <a:solidFill>
+                <a:prstClr val="white"/>
+              </a:solidFill>
+              <a:effectLst/>
+              <a:uLnTx/>
+              <a:uFillTx/>
+              <a:latin typeface="Times New Roman" panose="02020603050405020304" pitchFamily="18" charset="0"/>
+              <a:ea typeface="+mn-ea"/>
+              <a:cs typeface="Times New Roman" panose="02020603050405020304" pitchFamily="18" charset="0"/>
+            </a:endParaRPr>
+          </a:p>
+        </p:txBody>
+      </p:sp>
+      <p:pic>
+        <p:nvPicPr>
+          <p:cNvPr id="1026" name="Picture 2" descr="Home – Planet">
+            <a:extLst>
+              <a:ext uri="{FF2B5EF4-FFF2-40B4-BE49-F238E27FC236}">
+                <a16:creationId xmlns:a16="http://schemas.microsoft.com/office/drawing/2014/main" id="{ED775197-2553-4861-A1BF-CCB9B81C9D62}"/>
+              </a:ext>
+            </a:extLst>
+          </p:cNvPr>
+          <p:cNvPicPr>
+            <a:picLocks noChangeAspect="1" noChangeArrowheads="1"/>
+          </p:cNvPicPr>
+          <p:nvPr/>
+        </p:nvPicPr>
+        <p:blipFill>
+          <a:blip r:embed="rId2">
+            <a:extLst>
+              <a:ext uri="{28A0092B-C50C-407E-A947-70E740481C1C}">
+                <a14:useLocalDpi xmlns:a14="http://schemas.microsoft.com/office/drawing/2010/main" val="0"/>
+              </a:ext>
+            </a:extLst>
+          </a:blip>
+          <a:srcRect/>
+          <a:stretch>
+            <a:fillRect/>
+          </a:stretch>
+        </p:blipFill>
+        <p:spPr bwMode="auto">
+          <a:xfrm>
+            <a:off x="489099" y="463661"/>
+            <a:ext cx="2203540" cy="966918"/>
+          </a:xfrm>
+          <a:prstGeom prst="rect">
+            <a:avLst/>
+          </a:prstGeom>
+          <a:noFill/>
+          <a:extLst>
+            <a:ext uri="{909E8E84-426E-40DD-AFC4-6F175D3DCCD1}">
+              <a14:hiddenFill xmlns:a14="http://schemas.microsoft.com/office/drawing/2010/main">
+                <a:solidFill>
+                  <a:srgbClr val="FFFFFF"/>
+                </a:solidFill>
+              </a14:hiddenFill>
+            </a:ext>
+          </a:extLst>
+        </p:spPr>
+      </p:pic>
+      <p:sp>
+        <p:nvSpPr>
+          <p:cNvPr id="5" name="Rettangolo 4">
+            <a:extLst>
+              <a:ext uri="{FF2B5EF4-FFF2-40B4-BE49-F238E27FC236}">
+                <a16:creationId xmlns:a16="http://schemas.microsoft.com/office/drawing/2014/main" id="{E4E1E4B7-119B-C435-7730-F6EABB1715A5}"/>
+              </a:ext>
+            </a:extLst>
+          </p:cNvPr>
+          <p:cNvSpPr/>
+          <p:nvPr/>
+        </p:nvSpPr>
+        <p:spPr>
+          <a:xfrm>
+            <a:off x="0" y="6238865"/>
+            <a:ext cx="12192000" cy="643812"/>
+          </a:xfrm>
+          <a:prstGeom prst="rect">
+            <a:avLst/>
+          </a:prstGeom>
+          <a:gradFill flip="none" rotWithShape="1">
+            <a:gsLst>
+              <a:gs pos="0">
+                <a:srgbClr val="A24057"/>
+              </a:gs>
+              <a:gs pos="43000">
+                <a:srgbClr val="BC5870"/>
+              </a:gs>
+              <a:gs pos="25160">
+                <a:srgbClr val="B44C65"/>
+              </a:gs>
+              <a:gs pos="81000">
+                <a:srgbClr val="C57588"/>
+              </a:gs>
+              <a:gs pos="65000">
+                <a:srgbClr val="CA7C8F"/>
+              </a:gs>
+              <a:gs pos="99000">
+                <a:srgbClr val="D391A1"/>
+              </a:gs>
+            </a:gsLst>
+            <a:lin ang="16200000" scaled="1"/>
+            <a:tileRect/>
+          </a:gradFill>
+          <a:ln>
+            <a:solidFill>
+              <a:srgbClr val="B0465F"/>
+            </a:solidFill>
+          </a:ln>
+        </p:spPr>
+        <p:style>
+          <a:lnRef idx="2">
+            <a:schemeClr val="accent1">
+              <a:shade val="50000"/>
+            </a:schemeClr>
+          </a:lnRef>
+          <a:fillRef idx="1">
+            <a:schemeClr val="accent1"/>
+          </a:fillRef>
+          <a:effectRef idx="0">
+            <a:schemeClr val="accent1"/>
+          </a:effectRef>
+          <a:fontRef idx="minor">
+            <a:schemeClr val="lt1"/>
+          </a:fontRef>
+        </p:style>
+        <p:txBody>
+          <a:bodyPr rIns="9720000" rtlCol="0" anchor="ctr" anchorCtr="0"/>
+          <a:lstStyle/>
+          <a:p>
+            <a:pPr marL="0" marR="0" lvl="0" indent="0" algn="ctr" defTabSz="914400" rtl="0" eaLnBrk="1" fontAlgn="auto" latinLnBrk="0" hangingPunct="1">
+              <a:lnSpc>
+                <a:spcPct val="100000"/>
+              </a:lnSpc>
+              <a:spcBef>
+                <a:spcPts val="0"/>
+              </a:spcBef>
+              <a:spcAft>
+                <a:spcPts val="0"/>
+              </a:spcAft>
+              <a:buClrTx/>
+              <a:buSzTx/>
+              <a:buFontTx/>
+              <a:buNone/>
+              <a:tabLst/>
+              <a:defRPr/>
+            </a:pPr>
+            <a:endParaRPr kumimoji="0" lang="it-IT" sz="2800" b="0" i="0" u="none" strike="noStrike" kern="1200" cap="none" spc="0" normalizeH="0" baseline="0" noProof="0" dirty="0">
+              <a:ln>
+                <a:noFill/>
+              </a:ln>
+              <a:solidFill>
+                <a:prstClr val="white"/>
+              </a:solidFill>
+              <a:effectLst/>
+              <a:uLnTx/>
+              <a:uFillTx/>
+              <a:latin typeface="Times New Roman" panose="02020603050405020304" pitchFamily="18" charset="0"/>
+              <a:ea typeface="+mn-ea"/>
+              <a:cs typeface="Times New Roman" panose="02020603050405020304" pitchFamily="18" charset="0"/>
+            </a:endParaRPr>
+          </a:p>
+        </p:txBody>
+      </p:sp>
+      <p:sp>
+        <p:nvSpPr>
+          <p:cNvPr id="4" name="Rettangolo 3">
+            <a:extLst>
+              <a:ext uri="{FF2B5EF4-FFF2-40B4-BE49-F238E27FC236}">
+                <a16:creationId xmlns:a16="http://schemas.microsoft.com/office/drawing/2014/main" id="{E10DE2CF-C86C-4590-A5E2-941F5488E412}"/>
+              </a:ext>
+            </a:extLst>
+          </p:cNvPr>
+          <p:cNvSpPr/>
+          <p:nvPr/>
+        </p:nvSpPr>
+        <p:spPr>
+          <a:xfrm>
+            <a:off x="265890" y="6376105"/>
+            <a:ext cx="7409234" cy="369332"/>
+          </a:xfrm>
+          <a:prstGeom prst="rect">
+            <a:avLst/>
+          </a:prstGeom>
+        </p:spPr>
+        <p:txBody>
+          <a:bodyPr wrap="square">
+            <a:spAutoFit/>
+          </a:bodyPr>
+          <a:lstStyle/>
+          <a:p>
+            <a:pPr lvl="0">
+              <a:defRPr/>
+            </a:pPr>
+            <a:r>
+              <a:rPr lang="it-IT" dirty="0">
+                <a:solidFill>
+                  <a:prstClr val="white"/>
+                </a:solidFill>
+                <a:latin typeface="Times New Roman" panose="02020603050405020304" pitchFamily="18" charset="0"/>
+                <a:cs typeface="Times New Roman" panose="02020603050405020304" pitchFamily="18" charset="0"/>
+              </a:rPr>
+              <a:t>DETERMINARE I SOTTOPOLIGONI GENERATI:</a:t>
+            </a:r>
+          </a:p>
+        </p:txBody>
+      </p:sp>
+      <p:sp>
+        <p:nvSpPr>
+          <p:cNvPr id="7" name="Rettangolo 6">
+            <a:extLst>
+              <a:ext uri="{FF2B5EF4-FFF2-40B4-BE49-F238E27FC236}">
+                <a16:creationId xmlns:a16="http://schemas.microsoft.com/office/drawing/2014/main" id="{6718BB3C-0969-40FF-8DF4-5C6E28320158}"/>
+              </a:ext>
+            </a:extLst>
+          </p:cNvPr>
+          <p:cNvSpPr/>
+          <p:nvPr/>
+        </p:nvSpPr>
+        <p:spPr>
+          <a:xfrm>
+            <a:off x="5216781" y="6376105"/>
+            <a:ext cx="2383986" cy="369332"/>
+          </a:xfrm>
+          <a:prstGeom prst="rect">
+            <a:avLst/>
+          </a:prstGeom>
+        </p:spPr>
+        <p:txBody>
+          <a:bodyPr wrap="none">
+            <a:spAutoFit/>
+          </a:bodyPr>
+          <a:lstStyle/>
+          <a:p>
+            <a:pPr lvl="0">
+              <a:defRPr/>
+            </a:pPr>
+            <a:r>
+              <a:rPr lang="it-IT" dirty="0">
+                <a:solidFill>
+                  <a:prstClr val="white"/>
+                </a:solidFill>
+                <a:latin typeface="Times New Roman" panose="02020603050405020304" pitchFamily="18" charset="0"/>
+                <a:cs typeface="Times New Roman" panose="02020603050405020304" pitchFamily="18" charset="0"/>
+              </a:rPr>
+              <a:t>CASO ONTHEPLANE</a:t>
+            </a:r>
+          </a:p>
+        </p:txBody>
+      </p:sp>
+      <p:sp>
+        <p:nvSpPr>
+          <p:cNvPr id="27" name="Rettangolo 26">
+            <a:extLst>
+              <a:ext uri="{FF2B5EF4-FFF2-40B4-BE49-F238E27FC236}">
+                <a16:creationId xmlns:a16="http://schemas.microsoft.com/office/drawing/2014/main" id="{7EAFD640-9479-4DDD-AA4F-4807D663240C}"/>
+              </a:ext>
+            </a:extLst>
+          </p:cNvPr>
+          <p:cNvSpPr/>
+          <p:nvPr/>
+        </p:nvSpPr>
+        <p:spPr>
+          <a:xfrm>
+            <a:off x="3558401" y="1401018"/>
+            <a:ext cx="5460294" cy="3606617"/>
+          </a:xfrm>
+          <a:prstGeom prst="rect">
+            <a:avLst/>
+          </a:prstGeom>
+          <a:solidFill>
+            <a:srgbClr val="ABC0E4"/>
+          </a:solidFill>
+        </p:spPr>
+        <p:style>
+          <a:lnRef idx="2">
+            <a:schemeClr val="accent1">
+              <a:shade val="50000"/>
+            </a:schemeClr>
+          </a:lnRef>
+          <a:fillRef idx="1">
+            <a:schemeClr val="accent1"/>
+          </a:fillRef>
+          <a:effectRef idx="0">
+            <a:schemeClr val="accent1"/>
+          </a:effectRef>
+          <a:fontRef idx="minor">
+            <a:schemeClr val="lt1"/>
+          </a:fontRef>
+        </p:style>
+        <p:txBody>
+          <a:bodyPr rtlCol="0" anchor="ctr"/>
+          <a:lstStyle/>
+          <a:p>
+            <a:pPr marL="0" marR="0" lvl="0" indent="0" algn="ctr" defTabSz="914400" rtl="0" eaLnBrk="1" fontAlgn="auto" latinLnBrk="0" hangingPunct="1">
+              <a:lnSpc>
+                <a:spcPct val="100000"/>
+              </a:lnSpc>
+              <a:spcBef>
+                <a:spcPts val="0"/>
+              </a:spcBef>
+              <a:spcAft>
+                <a:spcPts val="0"/>
+              </a:spcAft>
+              <a:buClrTx/>
+              <a:buSzTx/>
+              <a:buFontTx/>
+              <a:buNone/>
+              <a:tabLst/>
+              <a:defRPr/>
+            </a:pPr>
+            <a:endParaRPr kumimoji="0" lang="it-IT" sz="1800" b="0" i="0" u="none" strike="noStrike" kern="1200" cap="none" spc="0" normalizeH="0" baseline="0" noProof="0" dirty="0">
+              <a:ln>
+                <a:noFill/>
+              </a:ln>
+              <a:solidFill>
+                <a:prstClr val="white"/>
+              </a:solidFill>
+              <a:effectLst/>
+              <a:uLnTx/>
+              <a:uFillTx/>
+              <a:latin typeface="Calibri" panose="020F0502020204030204"/>
+              <a:ea typeface="+mn-ea"/>
+              <a:cs typeface="+mn-cs"/>
+            </a:endParaRPr>
+          </a:p>
+        </p:txBody>
+      </p:sp>
+      <p:cxnSp>
+        <p:nvCxnSpPr>
+          <p:cNvPr id="32" name="Connettore diritto 31">
+            <a:extLst>
+              <a:ext uri="{FF2B5EF4-FFF2-40B4-BE49-F238E27FC236}">
+                <a16:creationId xmlns:a16="http://schemas.microsoft.com/office/drawing/2014/main" id="{B9D4B4E4-F4E6-486D-834B-5EB09E081211}"/>
+              </a:ext>
+            </a:extLst>
+          </p:cNvPr>
+          <p:cNvCxnSpPr>
+            <a:cxnSpLocks/>
+          </p:cNvCxnSpPr>
+          <p:nvPr/>
+        </p:nvCxnSpPr>
+        <p:spPr>
+          <a:xfrm>
+            <a:off x="4717915" y="1401018"/>
+            <a:ext cx="2081370" cy="1"/>
+          </a:xfrm>
+          <a:prstGeom prst="line">
+            <a:avLst/>
+          </a:prstGeom>
+          <a:ln w="28575">
+            <a:solidFill>
+              <a:srgbClr val="C00000"/>
+            </a:solidFill>
+          </a:ln>
+        </p:spPr>
+        <p:style>
+          <a:lnRef idx="1">
+            <a:schemeClr val="accent1"/>
+          </a:lnRef>
+          <a:fillRef idx="0">
+            <a:schemeClr val="accent1"/>
+          </a:fillRef>
+          <a:effectRef idx="0">
+            <a:schemeClr val="accent1"/>
+          </a:effectRef>
+          <a:fontRef idx="minor">
+            <a:schemeClr val="tx1"/>
+          </a:fontRef>
+        </p:style>
+      </p:cxnSp>
+      <p:sp>
+        <p:nvSpPr>
+          <p:cNvPr id="34" name="Ovale 33">
+            <a:extLst>
+              <a:ext uri="{FF2B5EF4-FFF2-40B4-BE49-F238E27FC236}">
+                <a16:creationId xmlns:a16="http://schemas.microsoft.com/office/drawing/2014/main" id="{52C5B786-FFEC-4890-AB62-124C30B1DCBE}"/>
+              </a:ext>
+            </a:extLst>
+          </p:cNvPr>
+          <p:cNvSpPr/>
+          <p:nvPr/>
+        </p:nvSpPr>
+        <p:spPr>
+          <a:xfrm>
+            <a:off x="8940872" y="1319959"/>
+            <a:ext cx="155643" cy="162118"/>
+          </a:xfrm>
+          <a:prstGeom prst="ellipse">
+            <a:avLst/>
+          </a:prstGeom>
+          <a:solidFill>
+            <a:srgbClr val="002060"/>
+          </a:solidFill>
+        </p:spPr>
+        <p:style>
+          <a:lnRef idx="2">
+            <a:schemeClr val="accent1">
+              <a:shade val="50000"/>
+            </a:schemeClr>
+          </a:lnRef>
+          <a:fillRef idx="1">
+            <a:schemeClr val="accent1"/>
+          </a:fillRef>
+          <a:effectRef idx="0">
+            <a:schemeClr val="accent1"/>
+          </a:effectRef>
+          <a:fontRef idx="minor">
+            <a:schemeClr val="lt1"/>
+          </a:fontRef>
+        </p:style>
+        <p:txBody>
+          <a:bodyPr rtlCol="0" anchor="ctr"/>
+          <a:lstStyle/>
+          <a:p>
+            <a:pPr algn="ctr"/>
+            <a:endParaRPr lang="it-IT"/>
+          </a:p>
+        </p:txBody>
+      </p:sp>
+      <p:sp>
+        <p:nvSpPr>
+          <p:cNvPr id="35" name="Ovale 34">
+            <a:extLst>
+              <a:ext uri="{FF2B5EF4-FFF2-40B4-BE49-F238E27FC236}">
+                <a16:creationId xmlns:a16="http://schemas.microsoft.com/office/drawing/2014/main" id="{DCCA9BB1-44B4-4678-AB3B-6E505F36094E}"/>
+              </a:ext>
+            </a:extLst>
+          </p:cNvPr>
+          <p:cNvSpPr/>
+          <p:nvPr/>
+        </p:nvSpPr>
+        <p:spPr>
+          <a:xfrm>
+            <a:off x="8940873" y="4923919"/>
+            <a:ext cx="155643" cy="162118"/>
+          </a:xfrm>
+          <a:prstGeom prst="ellipse">
+            <a:avLst/>
+          </a:prstGeom>
+          <a:solidFill>
+            <a:srgbClr val="002060"/>
+          </a:solidFill>
+        </p:spPr>
+        <p:style>
+          <a:lnRef idx="2">
+            <a:schemeClr val="accent1">
+              <a:shade val="50000"/>
+            </a:schemeClr>
+          </a:lnRef>
+          <a:fillRef idx="1">
+            <a:schemeClr val="accent1"/>
+          </a:fillRef>
+          <a:effectRef idx="0">
+            <a:schemeClr val="accent1"/>
+          </a:effectRef>
+          <a:fontRef idx="minor">
+            <a:schemeClr val="lt1"/>
+          </a:fontRef>
+        </p:style>
+        <p:txBody>
+          <a:bodyPr rtlCol="0" anchor="ctr"/>
+          <a:lstStyle/>
+          <a:p>
+            <a:pPr algn="ctr"/>
+            <a:endParaRPr lang="it-IT"/>
+          </a:p>
+        </p:txBody>
+      </p:sp>
+      <p:sp>
+        <p:nvSpPr>
+          <p:cNvPr id="36" name="Ovale 35">
+            <a:extLst>
+              <a:ext uri="{FF2B5EF4-FFF2-40B4-BE49-F238E27FC236}">
+                <a16:creationId xmlns:a16="http://schemas.microsoft.com/office/drawing/2014/main" id="{B580D02B-3587-487A-B431-DB5A34581760}"/>
+              </a:ext>
+            </a:extLst>
+          </p:cNvPr>
+          <p:cNvSpPr/>
+          <p:nvPr/>
+        </p:nvSpPr>
+        <p:spPr>
+          <a:xfrm>
+            <a:off x="3475938" y="4929690"/>
+            <a:ext cx="155643" cy="162118"/>
+          </a:xfrm>
+          <a:prstGeom prst="ellipse">
+            <a:avLst/>
+          </a:prstGeom>
+          <a:solidFill>
+            <a:srgbClr val="002060"/>
+          </a:solidFill>
+        </p:spPr>
+        <p:style>
+          <a:lnRef idx="2">
+            <a:schemeClr val="accent1">
+              <a:shade val="50000"/>
+            </a:schemeClr>
+          </a:lnRef>
+          <a:fillRef idx="1">
+            <a:schemeClr val="accent1"/>
+          </a:fillRef>
+          <a:effectRef idx="0">
+            <a:schemeClr val="accent1"/>
+          </a:effectRef>
+          <a:fontRef idx="minor">
+            <a:schemeClr val="lt1"/>
+          </a:fontRef>
+        </p:style>
+        <p:txBody>
+          <a:bodyPr rtlCol="0" anchor="ctr"/>
+          <a:lstStyle/>
+          <a:p>
+            <a:pPr algn="ctr"/>
+            <a:endParaRPr lang="it-IT"/>
+          </a:p>
+        </p:txBody>
+      </p:sp>
+      <p:sp>
+        <p:nvSpPr>
+          <p:cNvPr id="37" name="Ovale 36">
+            <a:extLst>
+              <a:ext uri="{FF2B5EF4-FFF2-40B4-BE49-F238E27FC236}">
+                <a16:creationId xmlns:a16="http://schemas.microsoft.com/office/drawing/2014/main" id="{5B574DF3-C6EA-4DEF-9665-E3ECACB47868}"/>
+              </a:ext>
+            </a:extLst>
+          </p:cNvPr>
+          <p:cNvSpPr/>
+          <p:nvPr/>
+        </p:nvSpPr>
+        <p:spPr>
+          <a:xfrm>
+            <a:off x="6760374" y="1319959"/>
+            <a:ext cx="155643" cy="162118"/>
+          </a:xfrm>
+          <a:prstGeom prst="ellipse">
+            <a:avLst/>
+          </a:prstGeom>
+          <a:solidFill>
+            <a:srgbClr val="002060"/>
+          </a:solidFill>
+        </p:spPr>
+        <p:style>
+          <a:lnRef idx="2">
+            <a:schemeClr val="accent1">
+              <a:shade val="50000"/>
+            </a:schemeClr>
+          </a:lnRef>
+          <a:fillRef idx="1">
+            <a:schemeClr val="accent1"/>
+          </a:fillRef>
+          <a:effectRef idx="0">
+            <a:schemeClr val="accent1"/>
+          </a:effectRef>
+          <a:fontRef idx="minor">
+            <a:schemeClr val="lt1"/>
+          </a:fontRef>
+        </p:style>
+        <p:txBody>
+          <a:bodyPr rtlCol="0" anchor="ctr"/>
+          <a:lstStyle/>
+          <a:p>
+            <a:pPr algn="ctr"/>
+            <a:endParaRPr lang="it-IT"/>
+          </a:p>
+        </p:txBody>
+      </p:sp>
+      <p:sp>
+        <p:nvSpPr>
+          <p:cNvPr id="42" name="Ovale 41">
+            <a:extLst>
+              <a:ext uri="{FF2B5EF4-FFF2-40B4-BE49-F238E27FC236}">
+                <a16:creationId xmlns:a16="http://schemas.microsoft.com/office/drawing/2014/main" id="{3444D6F0-1BC0-44EF-8967-7AFC2AACAD2E}"/>
+              </a:ext>
+            </a:extLst>
+          </p:cNvPr>
+          <p:cNvSpPr/>
+          <p:nvPr/>
+        </p:nvSpPr>
+        <p:spPr>
+          <a:xfrm>
+            <a:off x="4639251" y="1316845"/>
+            <a:ext cx="155643" cy="162118"/>
+          </a:xfrm>
+          <a:prstGeom prst="ellipse">
+            <a:avLst/>
+          </a:prstGeom>
+          <a:solidFill>
+            <a:srgbClr val="002060"/>
+          </a:solidFill>
+        </p:spPr>
+        <p:style>
+          <a:lnRef idx="2">
+            <a:schemeClr val="accent1">
+              <a:shade val="50000"/>
+            </a:schemeClr>
+          </a:lnRef>
+          <a:fillRef idx="1">
+            <a:schemeClr val="accent1"/>
+          </a:fillRef>
+          <a:effectRef idx="0">
+            <a:schemeClr val="accent1"/>
+          </a:effectRef>
+          <a:fontRef idx="minor">
+            <a:schemeClr val="lt1"/>
+          </a:fontRef>
+        </p:style>
+        <p:txBody>
+          <a:bodyPr rtlCol="0" anchor="ctr"/>
+          <a:lstStyle/>
+          <a:p>
+            <a:pPr algn="ctr"/>
+            <a:endParaRPr lang="it-IT"/>
+          </a:p>
+        </p:txBody>
+      </p:sp>
+      <p:sp>
+        <p:nvSpPr>
+          <p:cNvPr id="43" name="Ovale 42">
+            <a:extLst>
+              <a:ext uri="{FF2B5EF4-FFF2-40B4-BE49-F238E27FC236}">
+                <a16:creationId xmlns:a16="http://schemas.microsoft.com/office/drawing/2014/main" id="{9268E009-34ED-4143-B306-C1AC8423F2AF}"/>
+              </a:ext>
+            </a:extLst>
+          </p:cNvPr>
+          <p:cNvSpPr/>
+          <p:nvPr/>
+        </p:nvSpPr>
+        <p:spPr>
+          <a:xfrm>
+            <a:off x="3490233" y="1316845"/>
+            <a:ext cx="155643" cy="162118"/>
+          </a:xfrm>
+          <a:prstGeom prst="ellipse">
+            <a:avLst/>
+          </a:prstGeom>
+          <a:solidFill>
+            <a:srgbClr val="002060"/>
+          </a:solidFill>
+        </p:spPr>
+        <p:style>
+          <a:lnRef idx="2">
+            <a:schemeClr val="accent1">
+              <a:shade val="50000"/>
+            </a:schemeClr>
+          </a:lnRef>
+          <a:fillRef idx="1">
+            <a:schemeClr val="accent1"/>
+          </a:fillRef>
+          <a:effectRef idx="0">
+            <a:schemeClr val="accent1"/>
+          </a:effectRef>
+          <a:fontRef idx="minor">
+            <a:schemeClr val="lt1"/>
+          </a:fontRef>
+        </p:style>
+        <p:txBody>
+          <a:bodyPr rtlCol="0" anchor="ctr"/>
+          <a:lstStyle/>
+          <a:p>
+            <a:pPr algn="ctr"/>
+            <a:endParaRPr lang="it-IT"/>
+          </a:p>
+        </p:txBody>
+      </p:sp>
+      <p:sp>
+        <p:nvSpPr>
+          <p:cNvPr id="9" name="Rettangolo 8">
+            <a:extLst>
+              <a:ext uri="{FF2B5EF4-FFF2-40B4-BE49-F238E27FC236}">
+                <a16:creationId xmlns:a16="http://schemas.microsoft.com/office/drawing/2014/main" id="{1F9BC5F0-A46C-41FC-ABC1-0F229A419A2C}"/>
+              </a:ext>
+            </a:extLst>
+          </p:cNvPr>
+          <p:cNvSpPr/>
+          <p:nvPr/>
+        </p:nvSpPr>
+        <p:spPr>
+          <a:xfrm>
+            <a:off x="12192000" y="6376105"/>
             <a:ext cx="3404394" cy="369332"/>
           </a:xfrm>
           <a:prstGeom prst="rect">
@@ -32224,7 +32224,7 @@
     </p:spTree>
     <p:extLst>
       <p:ext uri="{BB962C8B-B14F-4D97-AF65-F5344CB8AC3E}">
-        <p14:creationId xmlns:p14="http://schemas.microsoft.com/office/powerpoint/2010/main" val="1533132706"/>
+        <p14:creationId xmlns:p14="http://schemas.microsoft.com/office/powerpoint/2010/main" val="922724814"/>
       </p:ext>
     </p:extLst>
   </p:cSld>
@@ -40558,6 +40558,23 @@
 </file>
 
 <file path=customXml/item1.xml><?xml version="1.0" encoding="utf-8"?>
+<p:properties xmlns:p="http://schemas.microsoft.com/office/2006/metadata/properties" xmlns:xsi="http://www.w3.org/2001/XMLSchema-instance" xmlns:pc="http://schemas.microsoft.com/office/infopath/2007/PartnerControls">
+  <documentManagement>
+    <_activity xmlns="b8e3617b-ecc6-4b7c-a41f-6f9e9c802129" xsi:nil="true"/>
+  </documentManagement>
+</p:properties>
+</file>
+
+<file path=customXml/item2.xml><?xml version="1.0" encoding="utf-8"?>
+<?mso-contentType ?>
+<FormTemplates xmlns="http://schemas.microsoft.com/sharepoint/v3/contenttype/forms">
+  <Display>DocumentLibraryForm</Display>
+  <Edit>DocumentLibraryForm</Edit>
+  <New>DocumentLibraryForm</New>
+</FormTemplates>
+</file>
+
+<file path=customXml/item3.xml><?xml version="1.0" encoding="utf-8"?>
 <ct:contentTypeSchema xmlns:ct="http://schemas.microsoft.com/office/2006/metadata/contentType" xmlns:ma="http://schemas.microsoft.com/office/2006/metadata/properties/metaAttributes" ct:_="" ma:_="" ma:contentTypeName="Document" ma:contentTypeID="0x01010005502517798CD842B5C1C05C9D6C847B" ma:contentTypeVersion="6" ma:contentTypeDescription="Create a new document." ma:contentTypeScope="" ma:versionID="98615ece2eee6a0d639f75d105d85f9b">
   <xsd:schema xmlns:xsd="http://www.w3.org/2001/XMLSchema" xmlns:xs="http://www.w3.org/2001/XMLSchema" xmlns:p="http://schemas.microsoft.com/office/2006/metadata/properties" xmlns:ns3="b8e3617b-ecc6-4b7c-a41f-6f9e9c802129" xmlns:ns4="fe0c1517-f583-4194-a66d-da7704c43289" targetNamespace="http://schemas.microsoft.com/office/2006/metadata/properties" ma:root="true" ma:fieldsID="b95d2f49a0d6d70641f80359925496fb" ns3:_="" ns4:_="">
     <xsd:import namespace="b8e3617b-ecc6-4b7c-a41f-6f9e9c802129"/>
@@ -40734,24 +40751,32 @@
 </ct:contentTypeSchema>
 </file>
 
-<file path=customXml/item2.xml><?xml version="1.0" encoding="utf-8"?>
-<p:properties xmlns:p="http://schemas.microsoft.com/office/2006/metadata/properties" xmlns:xsi="http://www.w3.org/2001/XMLSchema-instance" xmlns:pc="http://schemas.microsoft.com/office/infopath/2007/PartnerControls">
-  <documentManagement>
-    <_activity xmlns="b8e3617b-ecc6-4b7c-a41f-6f9e9c802129" xsi:nil="true"/>
-  </documentManagement>
-</p:properties>
+<file path=customXml/itemProps1.xml><?xml version="1.0" encoding="utf-8"?>
+<ds:datastoreItem xmlns:ds="http://schemas.openxmlformats.org/officeDocument/2006/customXml" ds:itemID="{786ABB73-66E8-4616-8AF2-397162742A74}">
+  <ds:schemaRefs>
+    <ds:schemaRef ds:uri="http://schemas.microsoft.com/office/2006/documentManagement/types"/>
+    <ds:schemaRef ds:uri="http://purl.org/dc/dcmitype/"/>
+    <ds:schemaRef ds:uri="http://purl.org/dc/terms/"/>
+    <ds:schemaRef ds:uri="http://schemas.microsoft.com/office/2006/metadata/properties"/>
+    <ds:schemaRef ds:uri="http://purl.org/dc/elements/1.1/"/>
+    <ds:schemaRef ds:uri="fe0c1517-f583-4194-a66d-da7704c43289"/>
+    <ds:schemaRef ds:uri="http://schemas.microsoft.com/office/infopath/2007/PartnerControls"/>
+    <ds:schemaRef ds:uri="http://schemas.openxmlformats.org/package/2006/metadata/core-properties"/>
+    <ds:schemaRef ds:uri="b8e3617b-ecc6-4b7c-a41f-6f9e9c802129"/>
+    <ds:schemaRef ds:uri="http://www.w3.org/XML/1998/namespace"/>
+  </ds:schemaRefs>
+</ds:datastoreItem>
 </file>
 
-<file path=customXml/item3.xml><?xml version="1.0" encoding="utf-8"?>
-<?mso-contentType ?>
-<FormTemplates xmlns="http://schemas.microsoft.com/sharepoint/v3/contenttype/forms">
-  <Display>DocumentLibraryForm</Display>
-  <Edit>DocumentLibraryForm</Edit>
-  <New>DocumentLibraryForm</New>
-</FormTemplates>
+<file path=customXml/itemProps2.xml><?xml version="1.0" encoding="utf-8"?>
+<ds:datastoreItem xmlns:ds="http://schemas.openxmlformats.org/officeDocument/2006/customXml" ds:itemID="{B27E5695-1A44-43EA-A574-DDBBE4113DA3}">
+  <ds:schemaRefs>
+    <ds:schemaRef ds:uri="http://schemas.microsoft.com/sharepoint/v3/contenttype/forms"/>
+  </ds:schemaRefs>
+</ds:datastoreItem>
 </file>
 
-<file path=customXml/itemProps1.xml><?xml version="1.0" encoding="utf-8"?>
+<file path=customXml/itemProps3.xml><?xml version="1.0" encoding="utf-8"?>
 <ds:datastoreItem xmlns:ds="http://schemas.openxmlformats.org/officeDocument/2006/customXml" ds:itemID="{F21D650F-3F1D-483B-8B04-D130B15A8504}">
   <ds:schemaRefs>
     <ds:schemaRef ds:uri="http://schemas.microsoft.com/office/2006/metadata/contentType"/>
@@ -40768,29 +40793,4 @@
     <ds:schemaRef ds:uri="http://schemas.microsoft.com/internal/obd"/>
   </ds:schemaRefs>
 </ds:datastoreItem>
-</file>
-
-<file path=customXml/itemProps2.xml><?xml version="1.0" encoding="utf-8"?>
-<ds:datastoreItem xmlns:ds="http://schemas.openxmlformats.org/officeDocument/2006/customXml" ds:itemID="{786ABB73-66E8-4616-8AF2-397162742A74}">
-  <ds:schemaRefs>
-    <ds:schemaRef ds:uri="http://schemas.microsoft.com/office/2006/documentManagement/types"/>
-    <ds:schemaRef ds:uri="http://purl.org/dc/dcmitype/"/>
-    <ds:schemaRef ds:uri="http://purl.org/dc/terms/"/>
-    <ds:schemaRef ds:uri="http://schemas.microsoft.com/office/2006/metadata/properties"/>
-    <ds:schemaRef ds:uri="http://purl.org/dc/elements/1.1/"/>
-    <ds:schemaRef ds:uri="fe0c1517-f583-4194-a66d-da7704c43289"/>
-    <ds:schemaRef ds:uri="http://schemas.microsoft.com/office/infopath/2007/PartnerControls"/>
-    <ds:schemaRef ds:uri="http://schemas.openxmlformats.org/package/2006/metadata/core-properties"/>
-    <ds:schemaRef ds:uri="b8e3617b-ecc6-4b7c-a41f-6f9e9c802129"/>
-    <ds:schemaRef ds:uri="http://www.w3.org/XML/1998/namespace"/>
-  </ds:schemaRefs>
-</ds:datastoreItem>
-</file>
-
-<file path=customXml/itemProps3.xml><?xml version="1.0" encoding="utf-8"?>
-<ds:datastoreItem xmlns:ds="http://schemas.openxmlformats.org/officeDocument/2006/customXml" ds:itemID="{B27E5695-1A44-43EA-A574-DDBBE4113DA3}">
-  <ds:schemaRefs>
-    <ds:schemaRef ds:uri="http://schemas.microsoft.com/sharepoint/v3/contenttype/forms"/>
-  </ds:schemaRefs>
-</ds:datastoreItem>
 </file>
--- a/ProgettoPCSslides.pptx
+++ b/ProgettoPCSslides.pptx
@@ -35,15 +35,13 @@
     <p:sldId id="292" r:id="rId32"/>
     <p:sldId id="291" r:id="rId33"/>
     <p:sldId id="293" r:id="rId34"/>
-    <p:sldId id="294" r:id="rId35"/>
-    <p:sldId id="295" r:id="rId36"/>
-    <p:sldId id="296" r:id="rId37"/>
-    <p:sldId id="299" r:id="rId38"/>
-    <p:sldId id="298" r:id="rId39"/>
-    <p:sldId id="304" r:id="rId40"/>
-    <p:sldId id="303" r:id="rId41"/>
-    <p:sldId id="288" r:id="rId42"/>
-    <p:sldId id="265" r:id="rId43"/>
+    <p:sldId id="296" r:id="rId35"/>
+    <p:sldId id="299" r:id="rId36"/>
+    <p:sldId id="298" r:id="rId37"/>
+    <p:sldId id="304" r:id="rId38"/>
+    <p:sldId id="303" r:id="rId39"/>
+    <p:sldId id="288" r:id="rId40"/>
+    <p:sldId id="265" r:id="rId41"/>
   </p:sldIdLst>
   <p:sldSz cx="12192000" cy="6858000"/>
   <p:notesSz cx="6858000" cy="9144000"/>
@@ -12504,7 +12502,7 @@
         <p:spPr>
           <a:xfrm>
             <a:off x="7399252" y="1499497"/>
-            <a:ext cx="3418414" cy="3693319"/>
+            <a:ext cx="3418414" cy="3970318"/>
           </a:xfrm>
           <a:prstGeom prst="rect">
             <a:avLst/>
@@ -12550,7 +12548,27 @@
                 <a:latin typeface="Times New Roman" panose="02020603050405020304" pitchFamily="18" charset="0"/>
                 <a:cs typeface="Times New Roman" panose="02020603050405020304" pitchFamily="18" charset="0"/>
               </a:rPr>
-              <a:t>Gli estremi della traccia coincidono con i due vertici;</a:t>
+              <a:t>Gli estremi della traccia </a:t>
+            </a:r>
+            <a:r>
+              <a:rPr lang="it-IT">
+                <a:solidFill>
+                  <a:schemeClr val="bg1"/>
+                </a:solidFill>
+                <a:latin typeface="Times New Roman" panose="02020603050405020304" pitchFamily="18" charset="0"/>
+                <a:cs typeface="Times New Roman" panose="02020603050405020304" pitchFamily="18" charset="0"/>
+              </a:rPr>
+              <a:t>possono coincidere </a:t>
+            </a:r>
+            <a:r>
+              <a:rPr lang="it-IT" dirty="0">
+                <a:solidFill>
+                  <a:schemeClr val="bg1"/>
+                </a:solidFill>
+                <a:latin typeface="Times New Roman" panose="02020603050405020304" pitchFamily="18" charset="0"/>
+                <a:cs typeface="Times New Roman" panose="02020603050405020304" pitchFamily="18" charset="0"/>
+              </a:rPr>
+              <a:t>con i due vertici;</a:t>
             </a:r>
           </a:p>
           <a:p>
@@ -27453,2688 +27471,6 @@
       </p:sp>
       <p:sp>
         <p:nvSpPr>
-          <p:cNvPr id="8" name="Rettangolo 7">
-            <a:extLst>
-              <a:ext uri="{FF2B5EF4-FFF2-40B4-BE49-F238E27FC236}">
-                <a16:creationId xmlns:a16="http://schemas.microsoft.com/office/drawing/2014/main" id="{8E436DB6-F285-4EB1-86AA-190478D69B92}"/>
-              </a:ext>
-            </a:extLst>
-          </p:cNvPr>
-          <p:cNvSpPr/>
-          <p:nvPr/>
-        </p:nvSpPr>
-        <p:spPr>
-          <a:xfrm>
-            <a:off x="5216781" y="6376105"/>
-            <a:ext cx="2076209" cy="369332"/>
-          </a:xfrm>
-          <a:prstGeom prst="rect">
-            <a:avLst/>
-          </a:prstGeom>
-        </p:spPr>
-        <p:txBody>
-          <a:bodyPr wrap="none">
-            <a:spAutoFit/>
-          </a:bodyPr>
-          <a:lstStyle/>
-          <a:p>
-            <a:pPr lvl="0">
-              <a:defRPr/>
-            </a:pPr>
-            <a:r>
-              <a:rPr lang="it-IT" dirty="0">
-                <a:solidFill>
-                  <a:prstClr val="white"/>
-                </a:solidFill>
-                <a:latin typeface="Times New Roman" panose="02020603050405020304" pitchFamily="18" charset="0"/>
-                <a:cs typeface="Times New Roman" panose="02020603050405020304" pitchFamily="18" charset="0"/>
-              </a:rPr>
-              <a:t>CASO GENERALE</a:t>
-            </a:r>
-          </a:p>
-        </p:txBody>
-      </p:sp>
-    </p:spTree>
-    <p:extLst>
-      <p:ext uri="{BB962C8B-B14F-4D97-AF65-F5344CB8AC3E}">
-        <p14:creationId xmlns:p14="http://schemas.microsoft.com/office/powerpoint/2010/main" val="1836529952"/>
-      </p:ext>
-    </p:extLst>
-  </p:cSld>
-  <p:clrMapOvr>
-    <a:masterClrMapping/>
-  </p:clrMapOvr>
-  <mc:AlternateContent xmlns:mc="http://schemas.openxmlformats.org/markup-compatibility/2006" xmlns:p159="http://schemas.microsoft.com/office/powerpoint/2015/09/main">
-    <mc:Choice Requires="p159">
-      <p:transition xmlns:p14="http://schemas.microsoft.com/office/powerpoint/2010/main" spd="slow" p14:dur="2000">
-        <p159:morph option="byObject"/>
-      </p:transition>
-    </mc:Choice>
-    <mc:Fallback xmlns="">
-      <p:transition spd="slow">
-        <p:fade/>
-      </p:transition>
-    </mc:Fallback>
-  </mc:AlternateContent>
-</p:sld>
-</file>
-
-<file path=ppt/slides/slide32.xml><?xml version="1.0" encoding="utf-8"?>
-<p:sld xmlns:a="http://schemas.openxmlformats.org/drawingml/2006/main" xmlns:r="http://schemas.openxmlformats.org/officeDocument/2006/relationships" xmlns:p="http://schemas.openxmlformats.org/presentationml/2006/main">
-  <p:cSld>
-    <p:spTree>
-      <p:nvGrpSpPr>
-        <p:cNvPr id="1" name=""/>
-        <p:cNvGrpSpPr/>
-        <p:nvPr/>
-      </p:nvGrpSpPr>
-      <p:grpSpPr>
-        <a:xfrm>
-          <a:off x="0" y="0"/>
-          <a:ext cx="0" cy="0"/>
-          <a:chOff x="0" y="0"/>
-          <a:chExt cx="0" cy="0"/>
-        </a:xfrm>
-      </p:grpSpPr>
-      <p:sp>
-        <p:nvSpPr>
-          <p:cNvPr id="10" name="Connettore pagina esterna 9">
-            <a:extLst>
-              <a:ext uri="{FF2B5EF4-FFF2-40B4-BE49-F238E27FC236}">
-                <a16:creationId xmlns:a16="http://schemas.microsoft.com/office/drawing/2014/main" id="{BD59E837-8C5A-4746-AF4D-E416FED3FE56}"/>
-              </a:ext>
-            </a:extLst>
-          </p:cNvPr>
-          <p:cNvSpPr/>
-          <p:nvPr/>
-        </p:nvSpPr>
-        <p:spPr>
-          <a:xfrm>
-            <a:off x="424940" y="0"/>
-            <a:ext cx="1118681" cy="1840872"/>
-          </a:xfrm>
-          <a:prstGeom prst="flowChartOffpageConnector">
-            <a:avLst/>
-          </a:prstGeom>
-          <a:gradFill flip="none" rotWithShape="1">
-            <a:gsLst>
-              <a:gs pos="0">
-                <a:srgbClr val="A24057"/>
-              </a:gs>
-              <a:gs pos="43000">
-                <a:srgbClr val="BC5870"/>
-              </a:gs>
-              <a:gs pos="25160">
-                <a:srgbClr val="B44C65"/>
-              </a:gs>
-              <a:gs pos="81000">
-                <a:srgbClr val="C57588"/>
-              </a:gs>
-              <a:gs pos="65000">
-                <a:srgbClr val="CA7C8F"/>
-              </a:gs>
-              <a:gs pos="99000">
-                <a:srgbClr val="D391A1"/>
-              </a:gs>
-            </a:gsLst>
-            <a:lin ang="16200000" scaled="1"/>
-            <a:tileRect/>
-          </a:gradFill>
-          <a:ln>
-            <a:solidFill>
-              <a:srgbClr val="B0465F"/>
-            </a:solidFill>
-          </a:ln>
-        </p:spPr>
-        <p:style>
-          <a:lnRef idx="2">
-            <a:schemeClr val="accent1">
-              <a:shade val="50000"/>
-            </a:schemeClr>
-          </a:lnRef>
-          <a:fillRef idx="1">
-            <a:schemeClr val="accent1"/>
-          </a:fillRef>
-          <a:effectRef idx="0">
-            <a:schemeClr val="accent1"/>
-          </a:effectRef>
-          <a:fontRef idx="minor">
-            <a:schemeClr val="lt1"/>
-          </a:fontRef>
-        </p:style>
-        <p:txBody>
-          <a:bodyPr rtlCol="0" anchor="ctr" anchorCtr="0"/>
-          <a:lstStyle/>
-          <a:p>
-            <a:pPr marL="0" marR="0" lvl="0" indent="0" algn="ctr" defTabSz="914400" rtl="0" eaLnBrk="1" fontAlgn="auto" latinLnBrk="0" hangingPunct="1">
-              <a:lnSpc>
-                <a:spcPct val="100000"/>
-              </a:lnSpc>
-              <a:spcBef>
-                <a:spcPts val="1000"/>
-              </a:spcBef>
-              <a:spcAft>
-                <a:spcPts val="0"/>
-              </a:spcAft>
-              <a:buClrTx/>
-              <a:buSzTx/>
-              <a:buFontTx/>
-              <a:buNone/>
-              <a:tabLst/>
-              <a:defRPr/>
-            </a:pPr>
-            <a:endParaRPr kumimoji="0" lang="it-IT" sz="2800" b="0" i="0" u="none" strike="noStrike" kern="1200" cap="none" spc="0" normalizeH="0" baseline="0" noProof="0" dirty="0">
-              <a:ln>
-                <a:noFill/>
-              </a:ln>
-              <a:solidFill>
-                <a:prstClr val="white"/>
-              </a:solidFill>
-              <a:effectLst/>
-              <a:uLnTx/>
-              <a:uFillTx/>
-              <a:latin typeface="Times New Roman" panose="02020603050405020304" pitchFamily="18" charset="0"/>
-              <a:ea typeface="+mn-ea"/>
-              <a:cs typeface="Times New Roman" panose="02020603050405020304" pitchFamily="18" charset="0"/>
-            </a:endParaRPr>
-          </a:p>
-        </p:txBody>
-      </p:sp>
-      <p:pic>
-        <p:nvPicPr>
-          <p:cNvPr id="1026" name="Picture 2" descr="Home – Planet">
-            <a:extLst>
-              <a:ext uri="{FF2B5EF4-FFF2-40B4-BE49-F238E27FC236}">
-                <a16:creationId xmlns:a16="http://schemas.microsoft.com/office/drawing/2014/main" id="{ED775197-2553-4861-A1BF-CCB9B81C9D62}"/>
-              </a:ext>
-            </a:extLst>
-          </p:cNvPr>
-          <p:cNvPicPr>
-            <a:picLocks noChangeAspect="1" noChangeArrowheads="1"/>
-          </p:cNvPicPr>
-          <p:nvPr/>
-        </p:nvPicPr>
-        <p:blipFill>
-          <a:blip r:embed="rId2">
-            <a:extLst>
-              <a:ext uri="{28A0092B-C50C-407E-A947-70E740481C1C}">
-                <a14:useLocalDpi xmlns:a14="http://schemas.microsoft.com/office/drawing/2010/main" val="0"/>
-              </a:ext>
-            </a:extLst>
-          </a:blip>
-          <a:srcRect/>
-          <a:stretch>
-            <a:fillRect/>
-          </a:stretch>
-        </p:blipFill>
-        <p:spPr bwMode="auto">
-          <a:xfrm>
-            <a:off x="489099" y="463661"/>
-            <a:ext cx="2203540" cy="966918"/>
-          </a:xfrm>
-          <a:prstGeom prst="rect">
-            <a:avLst/>
-          </a:prstGeom>
-          <a:noFill/>
-          <a:extLst>
-            <a:ext uri="{909E8E84-426E-40DD-AFC4-6F175D3DCCD1}">
-              <a14:hiddenFill xmlns:a14="http://schemas.microsoft.com/office/drawing/2010/main">
-                <a:solidFill>
-                  <a:srgbClr val="FFFFFF"/>
-                </a:solidFill>
-              </a14:hiddenFill>
-            </a:ext>
-          </a:extLst>
-        </p:spPr>
-      </p:pic>
-      <p:sp>
-        <p:nvSpPr>
-          <p:cNvPr id="5" name="Rettangolo 4">
-            <a:extLst>
-              <a:ext uri="{FF2B5EF4-FFF2-40B4-BE49-F238E27FC236}">
-                <a16:creationId xmlns:a16="http://schemas.microsoft.com/office/drawing/2014/main" id="{E4E1E4B7-119B-C435-7730-F6EABB1715A5}"/>
-              </a:ext>
-            </a:extLst>
-          </p:cNvPr>
-          <p:cNvSpPr/>
-          <p:nvPr/>
-        </p:nvSpPr>
-        <p:spPr>
-          <a:xfrm>
-            <a:off x="0" y="6238865"/>
-            <a:ext cx="12192000" cy="643812"/>
-          </a:xfrm>
-          <a:prstGeom prst="rect">
-            <a:avLst/>
-          </a:prstGeom>
-          <a:gradFill flip="none" rotWithShape="1">
-            <a:gsLst>
-              <a:gs pos="0">
-                <a:srgbClr val="A24057"/>
-              </a:gs>
-              <a:gs pos="43000">
-                <a:srgbClr val="BC5870"/>
-              </a:gs>
-              <a:gs pos="25160">
-                <a:srgbClr val="B44C65"/>
-              </a:gs>
-              <a:gs pos="81000">
-                <a:srgbClr val="C57588"/>
-              </a:gs>
-              <a:gs pos="65000">
-                <a:srgbClr val="CA7C8F"/>
-              </a:gs>
-              <a:gs pos="99000">
-                <a:srgbClr val="D391A1"/>
-              </a:gs>
-            </a:gsLst>
-            <a:lin ang="16200000" scaled="1"/>
-            <a:tileRect/>
-          </a:gradFill>
-          <a:ln>
-            <a:solidFill>
-              <a:srgbClr val="B0465F"/>
-            </a:solidFill>
-          </a:ln>
-        </p:spPr>
-        <p:style>
-          <a:lnRef idx="2">
-            <a:schemeClr val="accent1">
-              <a:shade val="50000"/>
-            </a:schemeClr>
-          </a:lnRef>
-          <a:fillRef idx="1">
-            <a:schemeClr val="accent1"/>
-          </a:fillRef>
-          <a:effectRef idx="0">
-            <a:schemeClr val="accent1"/>
-          </a:effectRef>
-          <a:fontRef idx="minor">
-            <a:schemeClr val="lt1"/>
-          </a:fontRef>
-        </p:style>
-        <p:txBody>
-          <a:bodyPr rIns="9720000" rtlCol="0" anchor="ctr" anchorCtr="0"/>
-          <a:lstStyle/>
-          <a:p>
-            <a:pPr marL="0" marR="0" lvl="0" indent="0" algn="ctr" defTabSz="914400" rtl="0" eaLnBrk="1" fontAlgn="auto" latinLnBrk="0" hangingPunct="1">
-              <a:lnSpc>
-                <a:spcPct val="100000"/>
-              </a:lnSpc>
-              <a:spcBef>
-                <a:spcPts val="0"/>
-              </a:spcBef>
-              <a:spcAft>
-                <a:spcPts val="0"/>
-              </a:spcAft>
-              <a:buClrTx/>
-              <a:buSzTx/>
-              <a:buFontTx/>
-              <a:buNone/>
-              <a:tabLst/>
-              <a:defRPr/>
-            </a:pPr>
-            <a:endParaRPr kumimoji="0" lang="it-IT" sz="2800" b="0" i="0" u="none" strike="noStrike" kern="1200" cap="none" spc="0" normalizeH="0" baseline="0" noProof="0" dirty="0">
-              <a:ln>
-                <a:noFill/>
-              </a:ln>
-              <a:solidFill>
-                <a:prstClr val="white"/>
-              </a:solidFill>
-              <a:effectLst/>
-              <a:uLnTx/>
-              <a:uFillTx/>
-              <a:latin typeface="Times New Roman" panose="02020603050405020304" pitchFamily="18" charset="0"/>
-              <a:ea typeface="+mn-ea"/>
-              <a:cs typeface="Times New Roman" panose="02020603050405020304" pitchFamily="18" charset="0"/>
-            </a:endParaRPr>
-          </a:p>
-        </p:txBody>
-      </p:sp>
-      <p:sp>
-        <p:nvSpPr>
-          <p:cNvPr id="4" name="Rettangolo 3">
-            <a:extLst>
-              <a:ext uri="{FF2B5EF4-FFF2-40B4-BE49-F238E27FC236}">
-                <a16:creationId xmlns:a16="http://schemas.microsoft.com/office/drawing/2014/main" id="{E10DE2CF-C86C-4590-A5E2-941F5488E412}"/>
-              </a:ext>
-            </a:extLst>
-          </p:cNvPr>
-          <p:cNvSpPr/>
-          <p:nvPr/>
-        </p:nvSpPr>
-        <p:spPr>
-          <a:xfrm>
-            <a:off x="265890" y="6376105"/>
-            <a:ext cx="7409234" cy="369332"/>
-          </a:xfrm>
-          <a:prstGeom prst="rect">
-            <a:avLst/>
-          </a:prstGeom>
-        </p:spPr>
-        <p:txBody>
-          <a:bodyPr wrap="square">
-            <a:spAutoFit/>
-          </a:bodyPr>
-          <a:lstStyle/>
-          <a:p>
-            <a:pPr lvl="0">
-              <a:defRPr/>
-            </a:pPr>
-            <a:r>
-              <a:rPr lang="it-IT" dirty="0">
-                <a:solidFill>
-                  <a:prstClr val="white"/>
-                </a:solidFill>
-                <a:latin typeface="Times New Roman" panose="02020603050405020304" pitchFamily="18" charset="0"/>
-                <a:cs typeface="Times New Roman" panose="02020603050405020304" pitchFamily="18" charset="0"/>
-              </a:rPr>
-              <a:t>DETERMINARE I SOTTOPOLIGONI GENERATI:</a:t>
-            </a:r>
-          </a:p>
-        </p:txBody>
-      </p:sp>
-      <p:sp>
-        <p:nvSpPr>
-          <p:cNvPr id="3" name="Triangolo rettangolo 2">
-            <a:extLst>
-              <a:ext uri="{FF2B5EF4-FFF2-40B4-BE49-F238E27FC236}">
-                <a16:creationId xmlns:a16="http://schemas.microsoft.com/office/drawing/2014/main" id="{C28C7D26-D9B3-4215-9F6E-5DEEB1140F9F}"/>
-              </a:ext>
-            </a:extLst>
-          </p:cNvPr>
-          <p:cNvSpPr/>
-          <p:nvPr/>
-        </p:nvSpPr>
-        <p:spPr>
-          <a:xfrm rot="10800000" flipH="1">
-            <a:off x="3597756" y="1202503"/>
-            <a:ext cx="3250168" cy="2197446"/>
-          </a:xfrm>
-          <a:prstGeom prst="rtTriangle">
-            <a:avLst/>
-          </a:prstGeom>
-          <a:solidFill>
-            <a:srgbClr val="ABC0E4"/>
-          </a:solidFill>
-        </p:spPr>
-        <p:style>
-          <a:lnRef idx="2">
-            <a:schemeClr val="accent1">
-              <a:shade val="50000"/>
-            </a:schemeClr>
-          </a:lnRef>
-          <a:fillRef idx="1">
-            <a:schemeClr val="accent1"/>
-          </a:fillRef>
-          <a:effectRef idx="0">
-            <a:schemeClr val="accent1"/>
-          </a:effectRef>
-          <a:fontRef idx="minor">
-            <a:schemeClr val="lt1"/>
-          </a:fontRef>
-        </p:style>
-        <p:txBody>
-          <a:bodyPr rtlCol="0" anchor="ctr"/>
-          <a:lstStyle/>
-          <a:p>
-            <a:pPr algn="ctr"/>
-            <a:endParaRPr lang="it-IT"/>
-          </a:p>
-        </p:txBody>
-      </p:sp>
-      <p:sp>
-        <p:nvSpPr>
-          <p:cNvPr id="21" name="Ovale 20">
-            <a:extLst>
-              <a:ext uri="{FF2B5EF4-FFF2-40B4-BE49-F238E27FC236}">
-                <a16:creationId xmlns:a16="http://schemas.microsoft.com/office/drawing/2014/main" id="{13BCEB78-A15C-4CCF-BB5F-A703A18F2454}"/>
-              </a:ext>
-            </a:extLst>
-          </p:cNvPr>
-          <p:cNvSpPr/>
-          <p:nvPr/>
-        </p:nvSpPr>
-        <p:spPr>
-          <a:xfrm>
-            <a:off x="9289251" y="1483734"/>
-            <a:ext cx="155643" cy="162118"/>
-          </a:xfrm>
-          <a:prstGeom prst="ellipse">
-            <a:avLst/>
-          </a:prstGeom>
-          <a:solidFill>
-            <a:srgbClr val="002060"/>
-          </a:solidFill>
-        </p:spPr>
-        <p:style>
-          <a:lnRef idx="2">
-            <a:schemeClr val="accent1">
-              <a:shade val="50000"/>
-            </a:schemeClr>
-          </a:lnRef>
-          <a:fillRef idx="1">
-            <a:schemeClr val="accent1"/>
-          </a:fillRef>
-          <a:effectRef idx="0">
-            <a:schemeClr val="accent1"/>
-          </a:effectRef>
-          <a:fontRef idx="minor">
-            <a:schemeClr val="lt1"/>
-          </a:fontRef>
-        </p:style>
-        <p:txBody>
-          <a:bodyPr rtlCol="0" anchor="ctr"/>
-          <a:lstStyle/>
-          <a:p>
-            <a:pPr algn="ctr"/>
-            <a:endParaRPr lang="it-IT">
-              <a:solidFill>
-                <a:srgbClr val="00B050"/>
-              </a:solidFill>
-            </a:endParaRPr>
-          </a:p>
-        </p:txBody>
-      </p:sp>
-      <p:sp>
-        <p:nvSpPr>
-          <p:cNvPr id="29" name="Ovale 28">
-            <a:extLst>
-              <a:ext uri="{FF2B5EF4-FFF2-40B4-BE49-F238E27FC236}">
-                <a16:creationId xmlns:a16="http://schemas.microsoft.com/office/drawing/2014/main" id="{4B4073F8-3DCB-4754-92C7-BA7F7DA6496C}"/>
-              </a:ext>
-            </a:extLst>
-          </p:cNvPr>
-          <p:cNvSpPr/>
-          <p:nvPr/>
-        </p:nvSpPr>
-        <p:spPr>
-          <a:xfrm>
-            <a:off x="9367072" y="5036450"/>
-            <a:ext cx="155643" cy="162118"/>
-          </a:xfrm>
-          <a:prstGeom prst="ellipse">
-            <a:avLst/>
-          </a:prstGeom>
-          <a:solidFill>
-            <a:srgbClr val="FF0000"/>
-          </a:solidFill>
-        </p:spPr>
-        <p:style>
-          <a:lnRef idx="2">
-            <a:schemeClr val="accent1">
-              <a:shade val="50000"/>
-            </a:schemeClr>
-          </a:lnRef>
-          <a:fillRef idx="1">
-            <a:schemeClr val="accent1"/>
-          </a:fillRef>
-          <a:effectRef idx="0">
-            <a:schemeClr val="accent1"/>
-          </a:effectRef>
-          <a:fontRef idx="minor">
-            <a:schemeClr val="lt1"/>
-          </a:fontRef>
-        </p:style>
-        <p:txBody>
-          <a:bodyPr rtlCol="0" anchor="ctr"/>
-          <a:lstStyle/>
-          <a:p>
-            <a:pPr algn="ctr"/>
-            <a:endParaRPr lang="it-IT">
-              <a:solidFill>
-                <a:srgbClr val="00B050"/>
-              </a:solidFill>
-            </a:endParaRPr>
-          </a:p>
-        </p:txBody>
-      </p:sp>
-      <p:sp>
-        <p:nvSpPr>
-          <p:cNvPr id="2" name="Pentagono 1">
-            <a:extLst>
-              <a:ext uri="{FF2B5EF4-FFF2-40B4-BE49-F238E27FC236}">
-                <a16:creationId xmlns:a16="http://schemas.microsoft.com/office/drawing/2014/main" id="{84BD8AB9-2A4E-493B-9532-84CE2ED6FA33}"/>
-              </a:ext>
-            </a:extLst>
-          </p:cNvPr>
-          <p:cNvSpPr/>
-          <p:nvPr/>
-        </p:nvSpPr>
-        <p:spPr>
-          <a:xfrm>
-            <a:off x="4259076" y="2958676"/>
-            <a:ext cx="5481528" cy="2509256"/>
-          </a:xfrm>
-          <a:custGeom>
-            <a:avLst/>
-            <a:gdLst>
-              <a:gd name="connsiteX0" fmla="*/ 4 w 3448456"/>
-              <a:gd name="connsiteY0" fmla="*/ 1266848 h 3316659"/>
-              <a:gd name="connsiteX1" fmla="*/ 1724228 w 3448456"/>
-              <a:gd name="connsiteY1" fmla="*/ 0 h 3316659"/>
-              <a:gd name="connsiteX2" fmla="*/ 3448452 w 3448456"/>
-              <a:gd name="connsiteY2" fmla="*/ 1266848 h 3316659"/>
-              <a:gd name="connsiteX3" fmla="*/ 2789857 w 3448456"/>
-              <a:gd name="connsiteY3" fmla="*/ 3316651 h 3316659"/>
-              <a:gd name="connsiteX4" fmla="*/ 658599 w 3448456"/>
-              <a:gd name="connsiteY4" fmla="*/ 3316651 h 3316659"/>
-              <a:gd name="connsiteX5" fmla="*/ 4 w 3448456"/>
-              <a:gd name="connsiteY5" fmla="*/ 1266848 h 3316659"/>
-              <a:gd name="connsiteX0" fmla="*/ 0 w 3448448"/>
-              <a:gd name="connsiteY0" fmla="*/ 1266848 h 3316651"/>
-              <a:gd name="connsiteX1" fmla="*/ 1724224 w 3448448"/>
-              <a:gd name="connsiteY1" fmla="*/ 0 h 3316651"/>
-              <a:gd name="connsiteX2" fmla="*/ 3448448 w 3448448"/>
-              <a:gd name="connsiteY2" fmla="*/ 1266848 h 3316651"/>
-              <a:gd name="connsiteX3" fmla="*/ 2789853 w 3448448"/>
-              <a:gd name="connsiteY3" fmla="*/ 3316651 h 3316651"/>
-              <a:gd name="connsiteX4" fmla="*/ 658595 w 3448448"/>
-              <a:gd name="connsiteY4" fmla="*/ 3316651 h 3316651"/>
-              <a:gd name="connsiteX5" fmla="*/ 0 w 3448448"/>
-              <a:gd name="connsiteY5" fmla="*/ 1266848 h 3316651"/>
-              <a:gd name="connsiteX0" fmla="*/ 0 w 5432890"/>
-              <a:gd name="connsiteY0" fmla="*/ 1266848 h 3316651"/>
-              <a:gd name="connsiteX1" fmla="*/ 1724224 w 5432890"/>
-              <a:gd name="connsiteY1" fmla="*/ 0 h 3316651"/>
-              <a:gd name="connsiteX2" fmla="*/ 5432890 w 5432890"/>
-              <a:gd name="connsiteY2" fmla="*/ 1072295 h 3316651"/>
-              <a:gd name="connsiteX3" fmla="*/ 2789853 w 5432890"/>
-              <a:gd name="connsiteY3" fmla="*/ 3316651 h 3316651"/>
-              <a:gd name="connsiteX4" fmla="*/ 658595 w 5432890"/>
-              <a:gd name="connsiteY4" fmla="*/ 3316651 h 3316651"/>
-              <a:gd name="connsiteX5" fmla="*/ 0 w 5432890"/>
-              <a:gd name="connsiteY5" fmla="*/ 1266848 h 3316651"/>
-              <a:gd name="connsiteX0" fmla="*/ 0 w 5432890"/>
-              <a:gd name="connsiteY0" fmla="*/ 1227938 h 3277741"/>
-              <a:gd name="connsiteX1" fmla="*/ 1733951 w 5432890"/>
-              <a:gd name="connsiteY1" fmla="*/ 0 h 3277741"/>
-              <a:gd name="connsiteX2" fmla="*/ 5432890 w 5432890"/>
-              <a:gd name="connsiteY2" fmla="*/ 1033385 h 3277741"/>
-              <a:gd name="connsiteX3" fmla="*/ 2789853 w 5432890"/>
-              <a:gd name="connsiteY3" fmla="*/ 3277741 h 3277741"/>
-              <a:gd name="connsiteX4" fmla="*/ 658595 w 5432890"/>
-              <a:gd name="connsiteY4" fmla="*/ 3277741 h 3277741"/>
-              <a:gd name="connsiteX5" fmla="*/ 0 w 5432890"/>
-              <a:gd name="connsiteY5" fmla="*/ 1227938 h 3277741"/>
-              <a:gd name="connsiteX0" fmla="*/ 0 w 5432890"/>
-              <a:gd name="connsiteY0" fmla="*/ 722099 h 2771902"/>
-              <a:gd name="connsiteX1" fmla="*/ 1840955 w 5432890"/>
-              <a:gd name="connsiteY1" fmla="*/ 0 h 2771902"/>
-              <a:gd name="connsiteX2" fmla="*/ 5432890 w 5432890"/>
-              <a:gd name="connsiteY2" fmla="*/ 527546 h 2771902"/>
-              <a:gd name="connsiteX3" fmla="*/ 2789853 w 5432890"/>
-              <a:gd name="connsiteY3" fmla="*/ 2771902 h 2771902"/>
-              <a:gd name="connsiteX4" fmla="*/ 658595 w 5432890"/>
-              <a:gd name="connsiteY4" fmla="*/ 2771902 h 2771902"/>
-              <a:gd name="connsiteX5" fmla="*/ 0 w 5432890"/>
-              <a:gd name="connsiteY5" fmla="*/ 722099 h 2771902"/>
-              <a:gd name="connsiteX0" fmla="*/ 0 w 5432890"/>
-              <a:gd name="connsiteY0" fmla="*/ 1120933 h 3170736"/>
-              <a:gd name="connsiteX1" fmla="*/ 1695041 w 5432890"/>
-              <a:gd name="connsiteY1" fmla="*/ 0 h 3170736"/>
-              <a:gd name="connsiteX2" fmla="*/ 5432890 w 5432890"/>
-              <a:gd name="connsiteY2" fmla="*/ 926380 h 3170736"/>
-              <a:gd name="connsiteX3" fmla="*/ 2789853 w 5432890"/>
-              <a:gd name="connsiteY3" fmla="*/ 3170736 h 3170736"/>
-              <a:gd name="connsiteX4" fmla="*/ 658595 w 5432890"/>
-              <a:gd name="connsiteY4" fmla="*/ 3170736 h 3170736"/>
-              <a:gd name="connsiteX5" fmla="*/ 0 w 5432890"/>
-              <a:gd name="connsiteY5" fmla="*/ 1120933 h 3170736"/>
-              <a:gd name="connsiteX0" fmla="*/ 0 w 5464959"/>
-              <a:gd name="connsiteY0" fmla="*/ 1120933 h 3170736"/>
-              <a:gd name="connsiteX1" fmla="*/ 1695041 w 5464959"/>
-              <a:gd name="connsiteY1" fmla="*/ 0 h 3170736"/>
-              <a:gd name="connsiteX2" fmla="*/ 5432890 w 5464959"/>
-              <a:gd name="connsiteY2" fmla="*/ 926380 h 3170736"/>
-              <a:gd name="connsiteX3" fmla="*/ 5464959 w 5464959"/>
-              <a:gd name="connsiteY3" fmla="*/ 2509256 h 3170736"/>
-              <a:gd name="connsiteX4" fmla="*/ 658595 w 5464959"/>
-              <a:gd name="connsiteY4" fmla="*/ 3170736 h 3170736"/>
-              <a:gd name="connsiteX5" fmla="*/ 0 w 5464959"/>
-              <a:gd name="connsiteY5" fmla="*/ 1120933 h 3170736"/>
-              <a:gd name="connsiteX0" fmla="*/ 0 w 5481528"/>
-              <a:gd name="connsiteY0" fmla="*/ 1120933 h 3170736"/>
-              <a:gd name="connsiteX1" fmla="*/ 1695041 w 5481528"/>
-              <a:gd name="connsiteY1" fmla="*/ 0 h 3170736"/>
-              <a:gd name="connsiteX2" fmla="*/ 5481528 w 5481528"/>
-              <a:gd name="connsiteY2" fmla="*/ 965291 h 3170736"/>
-              <a:gd name="connsiteX3" fmla="*/ 5464959 w 5481528"/>
-              <a:gd name="connsiteY3" fmla="*/ 2509256 h 3170736"/>
-              <a:gd name="connsiteX4" fmla="*/ 658595 w 5481528"/>
-              <a:gd name="connsiteY4" fmla="*/ 3170736 h 3170736"/>
-              <a:gd name="connsiteX5" fmla="*/ 0 w 5481528"/>
-              <a:gd name="connsiteY5" fmla="*/ 1120933 h 3170736"/>
-              <a:gd name="connsiteX0" fmla="*/ 0 w 5481528"/>
-              <a:gd name="connsiteY0" fmla="*/ 1120933 h 2509256"/>
-              <a:gd name="connsiteX1" fmla="*/ 1695041 w 5481528"/>
-              <a:gd name="connsiteY1" fmla="*/ 0 h 2509256"/>
-              <a:gd name="connsiteX2" fmla="*/ 5481528 w 5481528"/>
-              <a:gd name="connsiteY2" fmla="*/ 965291 h 2509256"/>
-              <a:gd name="connsiteX3" fmla="*/ 5464959 w 5481528"/>
-              <a:gd name="connsiteY3" fmla="*/ 2509256 h 2509256"/>
-              <a:gd name="connsiteX4" fmla="*/ 26297 w 5481528"/>
-              <a:gd name="connsiteY4" fmla="*/ 2470344 h 2509256"/>
-              <a:gd name="connsiteX5" fmla="*/ 0 w 5481528"/>
-              <a:gd name="connsiteY5" fmla="*/ 1120933 h 2509256"/>
-            </a:gdLst>
-            <a:ahLst/>
-            <a:cxnLst>
-              <a:cxn ang="0">
-                <a:pos x="connsiteX0" y="connsiteY0"/>
-              </a:cxn>
-              <a:cxn ang="0">
-                <a:pos x="connsiteX1" y="connsiteY1"/>
-              </a:cxn>
-              <a:cxn ang="0">
-                <a:pos x="connsiteX2" y="connsiteY2"/>
-              </a:cxn>
-              <a:cxn ang="0">
-                <a:pos x="connsiteX3" y="connsiteY3"/>
-              </a:cxn>
-              <a:cxn ang="0">
-                <a:pos x="connsiteX4" y="connsiteY4"/>
-              </a:cxn>
-              <a:cxn ang="0">
-                <a:pos x="connsiteX5" y="connsiteY5"/>
-              </a:cxn>
-            </a:cxnLst>
-            <a:rect l="l" t="t" r="r" b="b"/>
-            <a:pathLst>
-              <a:path w="5481528" h="2509256">
-                <a:moveTo>
-                  <a:pt x="0" y="1120933"/>
-                </a:moveTo>
-                <a:lnTo>
-                  <a:pt x="1695041" y="0"/>
-                </a:lnTo>
-                <a:lnTo>
-                  <a:pt x="5481528" y="965291"/>
-                </a:lnTo>
-                <a:lnTo>
-                  <a:pt x="5464959" y="2509256"/>
-                </a:lnTo>
-                <a:lnTo>
-                  <a:pt x="26297" y="2470344"/>
-                </a:lnTo>
-                <a:lnTo>
-                  <a:pt x="0" y="1120933"/>
-                </a:lnTo>
-                <a:close/>
-              </a:path>
-            </a:pathLst>
-          </a:custGeom>
-          <a:solidFill>
-            <a:srgbClr val="ABC0E4"/>
-          </a:solidFill>
-        </p:spPr>
-        <p:style>
-          <a:lnRef idx="2">
-            <a:schemeClr val="accent1">
-              <a:shade val="50000"/>
-            </a:schemeClr>
-          </a:lnRef>
-          <a:fillRef idx="1">
-            <a:schemeClr val="accent1"/>
-          </a:fillRef>
-          <a:effectRef idx="0">
-            <a:schemeClr val="accent1"/>
-          </a:effectRef>
-          <a:fontRef idx="minor">
-            <a:schemeClr val="lt1"/>
-          </a:fontRef>
-        </p:style>
-        <p:txBody>
-          <a:bodyPr rtlCol="0" anchor="ctr"/>
-          <a:lstStyle/>
-          <a:p>
-            <a:pPr algn="ctr"/>
-            <a:endParaRPr lang="it-IT" dirty="0"/>
-          </a:p>
-        </p:txBody>
-      </p:sp>
-      <p:sp>
-        <p:nvSpPr>
-          <p:cNvPr id="25" name="Ovale 24">
-            <a:extLst>
-              <a:ext uri="{FF2B5EF4-FFF2-40B4-BE49-F238E27FC236}">
-                <a16:creationId xmlns:a16="http://schemas.microsoft.com/office/drawing/2014/main" id="{D062992E-5208-4903-8985-B695B04E2315}"/>
-              </a:ext>
-            </a:extLst>
-          </p:cNvPr>
-          <p:cNvSpPr/>
-          <p:nvPr/>
-        </p:nvSpPr>
-        <p:spPr>
-          <a:xfrm>
-            <a:off x="4182876" y="5327535"/>
-            <a:ext cx="155643" cy="162118"/>
-          </a:xfrm>
-          <a:prstGeom prst="ellipse">
-            <a:avLst/>
-          </a:prstGeom>
-          <a:solidFill>
-            <a:srgbClr val="FF0000"/>
-          </a:solidFill>
-        </p:spPr>
-        <p:style>
-          <a:lnRef idx="2">
-            <a:schemeClr val="accent1">
-              <a:shade val="50000"/>
-            </a:schemeClr>
-          </a:lnRef>
-          <a:fillRef idx="1">
-            <a:schemeClr val="accent1"/>
-          </a:fillRef>
-          <a:effectRef idx="0">
-            <a:schemeClr val="accent1"/>
-          </a:effectRef>
-          <a:fontRef idx="minor">
-            <a:schemeClr val="lt1"/>
-          </a:fontRef>
-        </p:style>
-        <p:txBody>
-          <a:bodyPr rtlCol="0" anchor="ctr"/>
-          <a:lstStyle/>
-          <a:p>
-            <a:pPr algn="ctr"/>
-            <a:endParaRPr lang="it-IT">
-              <a:solidFill>
-                <a:srgbClr val="00B050"/>
-              </a:solidFill>
-            </a:endParaRPr>
-          </a:p>
-        </p:txBody>
-      </p:sp>
-      <p:sp>
-        <p:nvSpPr>
-          <p:cNvPr id="28" name="Ovale 27">
-            <a:extLst>
-              <a:ext uri="{FF2B5EF4-FFF2-40B4-BE49-F238E27FC236}">
-                <a16:creationId xmlns:a16="http://schemas.microsoft.com/office/drawing/2014/main" id="{120147DE-A743-41E1-8829-ADD53331231B}"/>
-              </a:ext>
-            </a:extLst>
-          </p:cNvPr>
-          <p:cNvSpPr/>
-          <p:nvPr/>
-        </p:nvSpPr>
-        <p:spPr>
-          <a:xfrm>
-            <a:off x="5865779" y="2871390"/>
-            <a:ext cx="155643" cy="162118"/>
-          </a:xfrm>
-          <a:prstGeom prst="ellipse">
-            <a:avLst/>
-          </a:prstGeom>
-          <a:solidFill>
-            <a:srgbClr val="FF0000"/>
-          </a:solidFill>
-        </p:spPr>
-        <p:style>
-          <a:lnRef idx="2">
-            <a:schemeClr val="accent1">
-              <a:shade val="50000"/>
-            </a:schemeClr>
-          </a:lnRef>
-          <a:fillRef idx="1">
-            <a:schemeClr val="accent1"/>
-          </a:fillRef>
-          <a:effectRef idx="0">
-            <a:schemeClr val="accent1"/>
-          </a:effectRef>
-          <a:fontRef idx="minor">
-            <a:schemeClr val="lt1"/>
-          </a:fontRef>
-        </p:style>
-        <p:txBody>
-          <a:bodyPr rtlCol="0" anchor="ctr"/>
-          <a:lstStyle/>
-          <a:p>
-            <a:pPr algn="ctr"/>
-            <a:endParaRPr lang="it-IT">
-              <a:solidFill>
-                <a:srgbClr val="00B050"/>
-              </a:solidFill>
-            </a:endParaRPr>
-          </a:p>
-        </p:txBody>
-      </p:sp>
-      <p:sp>
-        <p:nvSpPr>
-          <p:cNvPr id="24" name="Ovale 23">
-            <a:extLst>
-              <a:ext uri="{FF2B5EF4-FFF2-40B4-BE49-F238E27FC236}">
-                <a16:creationId xmlns:a16="http://schemas.microsoft.com/office/drawing/2014/main" id="{75B44752-E005-4596-A441-0C728532B122}"/>
-              </a:ext>
-            </a:extLst>
-          </p:cNvPr>
-          <p:cNvSpPr/>
-          <p:nvPr/>
-        </p:nvSpPr>
-        <p:spPr>
-          <a:xfrm>
-            <a:off x="4181254" y="4008765"/>
-            <a:ext cx="155643" cy="162118"/>
-          </a:xfrm>
-          <a:prstGeom prst="ellipse">
-            <a:avLst/>
-          </a:prstGeom>
-          <a:solidFill>
-            <a:srgbClr val="FF0000"/>
-          </a:solidFill>
-        </p:spPr>
-        <p:style>
-          <a:lnRef idx="2">
-            <a:schemeClr val="accent1">
-              <a:shade val="50000"/>
-            </a:schemeClr>
-          </a:lnRef>
-          <a:fillRef idx="1">
-            <a:schemeClr val="accent1"/>
-          </a:fillRef>
-          <a:effectRef idx="0">
-            <a:schemeClr val="accent1"/>
-          </a:effectRef>
-          <a:fontRef idx="minor">
-            <a:schemeClr val="lt1"/>
-          </a:fontRef>
-        </p:style>
-        <p:txBody>
-          <a:bodyPr rtlCol="0" anchor="ctr"/>
-          <a:lstStyle/>
-          <a:p>
-            <a:pPr algn="ctr"/>
-            <a:endParaRPr lang="it-IT">
-              <a:solidFill>
-                <a:srgbClr val="00B050"/>
-              </a:solidFill>
-            </a:endParaRPr>
-          </a:p>
-        </p:txBody>
-      </p:sp>
-      <p:sp>
-        <p:nvSpPr>
-          <p:cNvPr id="26" name="Ovale 25">
-            <a:extLst>
-              <a:ext uri="{FF2B5EF4-FFF2-40B4-BE49-F238E27FC236}">
-                <a16:creationId xmlns:a16="http://schemas.microsoft.com/office/drawing/2014/main" id="{31CB9159-CCEE-4889-ADF2-657EA99FF361}"/>
-              </a:ext>
-            </a:extLst>
-          </p:cNvPr>
-          <p:cNvSpPr/>
-          <p:nvPr/>
-        </p:nvSpPr>
-        <p:spPr>
-          <a:xfrm>
-            <a:off x="9654486" y="3846647"/>
-            <a:ext cx="155643" cy="162118"/>
-          </a:xfrm>
-          <a:prstGeom prst="ellipse">
-            <a:avLst/>
-          </a:prstGeom>
-          <a:solidFill>
-            <a:srgbClr val="FF0000"/>
-          </a:solidFill>
-        </p:spPr>
-        <p:style>
-          <a:lnRef idx="2">
-            <a:schemeClr val="accent1">
-              <a:shade val="50000"/>
-            </a:schemeClr>
-          </a:lnRef>
-          <a:fillRef idx="1">
-            <a:schemeClr val="accent1"/>
-          </a:fillRef>
-          <a:effectRef idx="0">
-            <a:schemeClr val="accent1"/>
-          </a:effectRef>
-          <a:fontRef idx="minor">
-            <a:schemeClr val="lt1"/>
-          </a:fontRef>
-        </p:style>
-        <p:txBody>
-          <a:bodyPr rtlCol="0" anchor="ctr"/>
-          <a:lstStyle/>
-          <a:p>
-            <a:pPr algn="ctr"/>
-            <a:endParaRPr lang="it-IT">
-              <a:solidFill>
-                <a:srgbClr val="00B050"/>
-              </a:solidFill>
-            </a:endParaRPr>
-          </a:p>
-        </p:txBody>
-      </p:sp>
-      <p:sp>
-        <p:nvSpPr>
-          <p:cNvPr id="30" name="Ovale 29">
-            <a:extLst>
-              <a:ext uri="{FF2B5EF4-FFF2-40B4-BE49-F238E27FC236}">
-                <a16:creationId xmlns:a16="http://schemas.microsoft.com/office/drawing/2014/main" id="{B3D71A53-E0D0-4DBE-A329-86B7C52986B8}"/>
-              </a:ext>
-            </a:extLst>
-          </p:cNvPr>
-          <p:cNvSpPr/>
-          <p:nvPr/>
-        </p:nvSpPr>
-        <p:spPr>
-          <a:xfrm>
-            <a:off x="9654485" y="5371385"/>
-            <a:ext cx="155643" cy="162118"/>
-          </a:xfrm>
-          <a:prstGeom prst="ellipse">
-            <a:avLst/>
-          </a:prstGeom>
-          <a:solidFill>
-            <a:srgbClr val="FF0000"/>
-          </a:solidFill>
-        </p:spPr>
-        <p:style>
-          <a:lnRef idx="2">
-            <a:schemeClr val="accent1">
-              <a:shade val="50000"/>
-            </a:schemeClr>
-          </a:lnRef>
-          <a:fillRef idx="1">
-            <a:schemeClr val="accent1"/>
-          </a:fillRef>
-          <a:effectRef idx="0">
-            <a:schemeClr val="accent1"/>
-          </a:effectRef>
-          <a:fontRef idx="minor">
-            <a:schemeClr val="lt1"/>
-          </a:fontRef>
-        </p:style>
-        <p:txBody>
-          <a:bodyPr rtlCol="0" anchor="ctr"/>
-          <a:lstStyle/>
-          <a:p>
-            <a:pPr algn="ctr"/>
-            <a:endParaRPr lang="it-IT">
-              <a:solidFill>
-                <a:srgbClr val="00B050"/>
-              </a:solidFill>
-            </a:endParaRPr>
-          </a:p>
-        </p:txBody>
-      </p:sp>
-      <p:sp>
-        <p:nvSpPr>
-          <p:cNvPr id="6" name="Rettangolo 5">
-            <a:extLst>
-              <a:ext uri="{FF2B5EF4-FFF2-40B4-BE49-F238E27FC236}">
-                <a16:creationId xmlns:a16="http://schemas.microsoft.com/office/drawing/2014/main" id="{3E0737F2-BB2C-4AE4-B59E-6AE72F229ADE}"/>
-              </a:ext>
-            </a:extLst>
-          </p:cNvPr>
-          <p:cNvSpPr/>
-          <p:nvPr/>
-        </p:nvSpPr>
-        <p:spPr>
-          <a:xfrm>
-            <a:off x="6254886" y="1446399"/>
-            <a:ext cx="3780646" cy="2015072"/>
-          </a:xfrm>
-          <a:custGeom>
-            <a:avLst/>
-            <a:gdLst>
-              <a:gd name="connsiteX0" fmla="*/ 0 w 2224220"/>
-              <a:gd name="connsiteY0" fmla="*/ 0 h 2015072"/>
-              <a:gd name="connsiteX1" fmla="*/ 2224220 w 2224220"/>
-              <a:gd name="connsiteY1" fmla="*/ 0 h 2015072"/>
-              <a:gd name="connsiteX2" fmla="*/ 2224220 w 2224220"/>
-              <a:gd name="connsiteY2" fmla="*/ 2015072 h 2015072"/>
-              <a:gd name="connsiteX3" fmla="*/ 0 w 2224220"/>
-              <a:gd name="connsiteY3" fmla="*/ 2015072 h 2015072"/>
-              <a:gd name="connsiteX4" fmla="*/ 0 w 2224220"/>
-              <a:gd name="connsiteY4" fmla="*/ 0 h 2015072"/>
-              <a:gd name="connsiteX0" fmla="*/ 1556426 w 3780646"/>
-              <a:gd name="connsiteY0" fmla="*/ 0 h 2015072"/>
-              <a:gd name="connsiteX1" fmla="*/ 3780646 w 3780646"/>
-              <a:gd name="connsiteY1" fmla="*/ 0 h 2015072"/>
-              <a:gd name="connsiteX2" fmla="*/ 3780646 w 3780646"/>
-              <a:gd name="connsiteY2" fmla="*/ 2015072 h 2015072"/>
-              <a:gd name="connsiteX3" fmla="*/ 0 w 3780646"/>
-              <a:gd name="connsiteY3" fmla="*/ 1071489 h 2015072"/>
-              <a:gd name="connsiteX4" fmla="*/ 1556426 w 3780646"/>
-              <a:gd name="connsiteY4" fmla="*/ 0 h 2015072"/>
-              <a:gd name="connsiteX0" fmla="*/ 1556426 w 3780646"/>
-              <a:gd name="connsiteY0" fmla="*/ 0 h 2015072"/>
-              <a:gd name="connsiteX1" fmla="*/ 3770919 w 3780646"/>
-              <a:gd name="connsiteY1" fmla="*/ 19455 h 2015072"/>
-              <a:gd name="connsiteX2" fmla="*/ 3780646 w 3780646"/>
-              <a:gd name="connsiteY2" fmla="*/ 2015072 h 2015072"/>
-              <a:gd name="connsiteX3" fmla="*/ 0 w 3780646"/>
-              <a:gd name="connsiteY3" fmla="*/ 1071489 h 2015072"/>
-              <a:gd name="connsiteX4" fmla="*/ 1556426 w 3780646"/>
-              <a:gd name="connsiteY4" fmla="*/ 0 h 2015072"/>
-            </a:gdLst>
-            <a:ahLst/>
-            <a:cxnLst>
-              <a:cxn ang="0">
-                <a:pos x="connsiteX0" y="connsiteY0"/>
-              </a:cxn>
-              <a:cxn ang="0">
-                <a:pos x="connsiteX1" y="connsiteY1"/>
-              </a:cxn>
-              <a:cxn ang="0">
-                <a:pos x="connsiteX2" y="connsiteY2"/>
-              </a:cxn>
-              <a:cxn ang="0">
-                <a:pos x="connsiteX3" y="connsiteY3"/>
-              </a:cxn>
-              <a:cxn ang="0">
-                <a:pos x="connsiteX4" y="connsiteY4"/>
-              </a:cxn>
-            </a:cxnLst>
-            <a:rect l="l" t="t" r="r" b="b"/>
-            <a:pathLst>
-              <a:path w="3780646" h="2015072">
-                <a:moveTo>
-                  <a:pt x="1556426" y="0"/>
-                </a:moveTo>
-                <a:lnTo>
-                  <a:pt x="3770919" y="19455"/>
-                </a:lnTo>
-                <a:cubicBezTo>
-                  <a:pt x="3774161" y="684661"/>
-                  <a:pt x="3777404" y="1349866"/>
-                  <a:pt x="3780646" y="2015072"/>
-                </a:cubicBezTo>
-                <a:lnTo>
-                  <a:pt x="0" y="1071489"/>
-                </a:lnTo>
-                <a:lnTo>
-                  <a:pt x="1556426" y="0"/>
-                </a:lnTo>
-                <a:close/>
-              </a:path>
-            </a:pathLst>
-          </a:custGeom>
-          <a:solidFill>
-            <a:srgbClr val="ABC0E4"/>
-          </a:solidFill>
-        </p:spPr>
-        <p:style>
-          <a:lnRef idx="2">
-            <a:schemeClr val="accent1">
-              <a:shade val="50000"/>
-            </a:schemeClr>
-          </a:lnRef>
-          <a:fillRef idx="1">
-            <a:schemeClr val="accent1"/>
-          </a:fillRef>
-          <a:effectRef idx="0">
-            <a:schemeClr val="accent1"/>
-          </a:effectRef>
-          <a:fontRef idx="minor">
-            <a:schemeClr val="lt1"/>
-          </a:fontRef>
-        </p:style>
-        <p:txBody>
-          <a:bodyPr rtlCol="0" anchor="ctr"/>
-          <a:lstStyle/>
-          <a:p>
-            <a:pPr algn="ctr"/>
-            <a:endParaRPr lang="it-IT"/>
-          </a:p>
-        </p:txBody>
-      </p:sp>
-      <p:sp>
-        <p:nvSpPr>
-          <p:cNvPr id="20" name="Ovale 19">
-            <a:extLst>
-              <a:ext uri="{FF2B5EF4-FFF2-40B4-BE49-F238E27FC236}">
-                <a16:creationId xmlns:a16="http://schemas.microsoft.com/office/drawing/2014/main" id="{5EEC469A-3612-4348-A3D7-EF8FEB5D4B37}"/>
-              </a:ext>
-            </a:extLst>
-          </p:cNvPr>
-          <p:cNvSpPr/>
-          <p:nvPr/>
-        </p:nvSpPr>
-        <p:spPr>
-          <a:xfrm>
-            <a:off x="7727222" y="1403524"/>
-            <a:ext cx="155643" cy="162118"/>
-          </a:xfrm>
-          <a:prstGeom prst="ellipse">
-            <a:avLst/>
-          </a:prstGeom>
-          <a:solidFill>
-            <a:srgbClr val="002060"/>
-          </a:solidFill>
-        </p:spPr>
-        <p:style>
-          <a:lnRef idx="2">
-            <a:schemeClr val="accent1">
-              <a:shade val="50000"/>
-            </a:schemeClr>
-          </a:lnRef>
-          <a:fillRef idx="1">
-            <a:schemeClr val="accent1"/>
-          </a:fillRef>
-          <a:effectRef idx="0">
-            <a:schemeClr val="accent1"/>
-          </a:effectRef>
-          <a:fontRef idx="minor">
-            <a:schemeClr val="lt1"/>
-          </a:fontRef>
-        </p:style>
-        <p:txBody>
-          <a:bodyPr rtlCol="0" anchor="ctr"/>
-          <a:lstStyle/>
-          <a:p>
-            <a:pPr algn="ctr"/>
-            <a:endParaRPr lang="it-IT">
-              <a:solidFill>
-                <a:srgbClr val="00B050"/>
-              </a:solidFill>
-            </a:endParaRPr>
-          </a:p>
-        </p:txBody>
-      </p:sp>
-      <p:sp>
-        <p:nvSpPr>
-          <p:cNvPr id="23" name="Ovale 22">
-            <a:extLst>
-              <a:ext uri="{FF2B5EF4-FFF2-40B4-BE49-F238E27FC236}">
-                <a16:creationId xmlns:a16="http://schemas.microsoft.com/office/drawing/2014/main" id="{84D0D331-C2CA-4B84-A417-F81EC562666E}"/>
-              </a:ext>
-            </a:extLst>
-          </p:cNvPr>
-          <p:cNvSpPr/>
-          <p:nvPr/>
-        </p:nvSpPr>
-        <p:spPr>
-          <a:xfrm>
-            <a:off x="9943562" y="3380412"/>
-            <a:ext cx="155643" cy="162118"/>
-          </a:xfrm>
-          <a:prstGeom prst="ellipse">
-            <a:avLst/>
-          </a:prstGeom>
-          <a:solidFill>
-            <a:srgbClr val="002060"/>
-          </a:solidFill>
-        </p:spPr>
-        <p:style>
-          <a:lnRef idx="2">
-            <a:schemeClr val="accent1">
-              <a:shade val="50000"/>
-            </a:schemeClr>
-          </a:lnRef>
-          <a:fillRef idx="1">
-            <a:schemeClr val="accent1"/>
-          </a:fillRef>
-          <a:effectRef idx="0">
-            <a:schemeClr val="accent1"/>
-          </a:effectRef>
-          <a:fontRef idx="minor">
-            <a:schemeClr val="lt1"/>
-          </a:fontRef>
-        </p:style>
-        <p:txBody>
-          <a:bodyPr rtlCol="0" anchor="ctr"/>
-          <a:lstStyle/>
-          <a:p>
-            <a:pPr algn="ctr"/>
-            <a:endParaRPr lang="it-IT">
-              <a:solidFill>
-                <a:srgbClr val="00B050"/>
-              </a:solidFill>
-            </a:endParaRPr>
-          </a:p>
-        </p:txBody>
-      </p:sp>
-      <p:sp>
-        <p:nvSpPr>
-          <p:cNvPr id="22" name="Ovale 21">
-            <a:extLst>
-              <a:ext uri="{FF2B5EF4-FFF2-40B4-BE49-F238E27FC236}">
-                <a16:creationId xmlns:a16="http://schemas.microsoft.com/office/drawing/2014/main" id="{9BB74AC3-D2A3-4A33-AC4F-A96C4EDC5CDE}"/>
-              </a:ext>
-            </a:extLst>
-          </p:cNvPr>
-          <p:cNvSpPr/>
-          <p:nvPr/>
-        </p:nvSpPr>
-        <p:spPr>
-          <a:xfrm>
-            <a:off x="6203691" y="2442913"/>
-            <a:ext cx="155643" cy="162118"/>
-          </a:xfrm>
-          <a:prstGeom prst="ellipse">
-            <a:avLst/>
-          </a:prstGeom>
-          <a:solidFill>
-            <a:srgbClr val="002060"/>
-          </a:solidFill>
-        </p:spPr>
-        <p:style>
-          <a:lnRef idx="2">
-            <a:schemeClr val="accent1">
-              <a:shade val="50000"/>
-            </a:schemeClr>
-          </a:lnRef>
-          <a:fillRef idx="1">
-            <a:schemeClr val="accent1"/>
-          </a:fillRef>
-          <a:effectRef idx="0">
-            <a:schemeClr val="accent1"/>
-          </a:effectRef>
-          <a:fontRef idx="minor">
-            <a:schemeClr val="lt1"/>
-          </a:fontRef>
-        </p:style>
-        <p:txBody>
-          <a:bodyPr rtlCol="0" anchor="ctr"/>
-          <a:lstStyle/>
-          <a:p>
-            <a:pPr algn="ctr"/>
-            <a:endParaRPr lang="it-IT">
-              <a:solidFill>
-                <a:srgbClr val="00B050"/>
-              </a:solidFill>
-            </a:endParaRPr>
-          </a:p>
-        </p:txBody>
-      </p:sp>
-      <p:sp>
-        <p:nvSpPr>
-          <p:cNvPr id="31" name="Ovale 30">
-            <a:extLst>
-              <a:ext uri="{FF2B5EF4-FFF2-40B4-BE49-F238E27FC236}">
-                <a16:creationId xmlns:a16="http://schemas.microsoft.com/office/drawing/2014/main" id="{37EB1C39-75CA-442B-9280-EC206C62C342}"/>
-              </a:ext>
-            </a:extLst>
-          </p:cNvPr>
-          <p:cNvSpPr/>
-          <p:nvPr/>
-        </p:nvSpPr>
-        <p:spPr>
-          <a:xfrm>
-            <a:off x="9924108" y="1403524"/>
-            <a:ext cx="155643" cy="162118"/>
-          </a:xfrm>
-          <a:prstGeom prst="ellipse">
-            <a:avLst/>
-          </a:prstGeom>
-          <a:solidFill>
-            <a:srgbClr val="002060"/>
-          </a:solidFill>
-        </p:spPr>
-        <p:style>
-          <a:lnRef idx="2">
-            <a:schemeClr val="accent1">
-              <a:shade val="50000"/>
-            </a:schemeClr>
-          </a:lnRef>
-          <a:fillRef idx="1">
-            <a:schemeClr val="accent1"/>
-          </a:fillRef>
-          <a:effectRef idx="0">
-            <a:schemeClr val="accent1"/>
-          </a:effectRef>
-          <a:fontRef idx="minor">
-            <a:schemeClr val="lt1"/>
-          </a:fontRef>
-        </p:style>
-        <p:txBody>
-          <a:bodyPr rtlCol="0" anchor="ctr"/>
-          <a:lstStyle/>
-          <a:p>
-            <a:pPr algn="ctr"/>
-            <a:endParaRPr lang="it-IT">
-              <a:solidFill>
-                <a:srgbClr val="00B050"/>
-              </a:solidFill>
-            </a:endParaRPr>
-          </a:p>
-        </p:txBody>
-      </p:sp>
-      <p:sp>
-        <p:nvSpPr>
-          <p:cNvPr id="7" name="Rettangolo 6">
-            <a:extLst>
-              <a:ext uri="{FF2B5EF4-FFF2-40B4-BE49-F238E27FC236}">
-                <a16:creationId xmlns:a16="http://schemas.microsoft.com/office/drawing/2014/main" id="{E7FD2242-5B0F-4D51-B8C3-EFE066BD5419}"/>
-              </a:ext>
-            </a:extLst>
-          </p:cNvPr>
-          <p:cNvSpPr/>
-          <p:nvPr/>
-        </p:nvSpPr>
-        <p:spPr>
-          <a:xfrm>
-            <a:off x="5216781" y="6376105"/>
-            <a:ext cx="2076209" cy="369332"/>
-          </a:xfrm>
-          <a:prstGeom prst="rect">
-            <a:avLst/>
-          </a:prstGeom>
-        </p:spPr>
-        <p:txBody>
-          <a:bodyPr wrap="none">
-            <a:spAutoFit/>
-          </a:bodyPr>
-          <a:lstStyle/>
-          <a:p>
-            <a:pPr lvl="0">
-              <a:defRPr/>
-            </a:pPr>
-            <a:r>
-              <a:rPr lang="it-IT" dirty="0">
-                <a:solidFill>
-                  <a:prstClr val="white"/>
-                </a:solidFill>
-                <a:latin typeface="Times New Roman" panose="02020603050405020304" pitchFamily="18" charset="0"/>
-                <a:cs typeface="Times New Roman" panose="02020603050405020304" pitchFamily="18" charset="0"/>
-              </a:rPr>
-              <a:t>CASO GENERALE</a:t>
-            </a:r>
-          </a:p>
-        </p:txBody>
-      </p:sp>
-    </p:spTree>
-    <p:extLst>
-      <p:ext uri="{BB962C8B-B14F-4D97-AF65-F5344CB8AC3E}">
-        <p14:creationId xmlns:p14="http://schemas.microsoft.com/office/powerpoint/2010/main" val="2344806341"/>
-      </p:ext>
-    </p:extLst>
-  </p:cSld>
-  <p:clrMapOvr>
-    <a:masterClrMapping/>
-  </p:clrMapOvr>
-  <mc:AlternateContent xmlns:mc="http://schemas.openxmlformats.org/markup-compatibility/2006" xmlns:p159="http://schemas.microsoft.com/office/powerpoint/2015/09/main">
-    <mc:Choice Requires="p159">
-      <p:transition xmlns:p14="http://schemas.microsoft.com/office/powerpoint/2010/main" spd="slow" p14:dur="2000">
-        <p159:morph option="byObject"/>
-      </p:transition>
-    </mc:Choice>
-    <mc:Fallback xmlns="">
-      <p:transition spd="slow">
-        <p:fade/>
-      </p:transition>
-    </mc:Fallback>
-  </mc:AlternateContent>
-</p:sld>
-</file>
-
-<file path=ppt/slides/slide33.xml><?xml version="1.0" encoding="utf-8"?>
-<p:sld xmlns:a="http://schemas.openxmlformats.org/drawingml/2006/main" xmlns:r="http://schemas.openxmlformats.org/officeDocument/2006/relationships" xmlns:p="http://schemas.openxmlformats.org/presentationml/2006/main">
-  <p:cSld>
-    <p:spTree>
-      <p:nvGrpSpPr>
-        <p:cNvPr id="1" name=""/>
-        <p:cNvGrpSpPr/>
-        <p:nvPr/>
-      </p:nvGrpSpPr>
-      <p:grpSpPr>
-        <a:xfrm>
-          <a:off x="0" y="0"/>
-          <a:ext cx="0" cy="0"/>
-          <a:chOff x="0" y="0"/>
-          <a:chExt cx="0" cy="0"/>
-        </a:xfrm>
-      </p:grpSpPr>
-      <p:sp>
-        <p:nvSpPr>
-          <p:cNvPr id="10" name="Connettore pagina esterna 9">
-            <a:extLst>
-              <a:ext uri="{FF2B5EF4-FFF2-40B4-BE49-F238E27FC236}">
-                <a16:creationId xmlns:a16="http://schemas.microsoft.com/office/drawing/2014/main" id="{BD59E837-8C5A-4746-AF4D-E416FED3FE56}"/>
-              </a:ext>
-            </a:extLst>
-          </p:cNvPr>
-          <p:cNvSpPr/>
-          <p:nvPr/>
-        </p:nvSpPr>
-        <p:spPr>
-          <a:xfrm>
-            <a:off x="424940" y="0"/>
-            <a:ext cx="1118681" cy="1840872"/>
-          </a:xfrm>
-          <a:prstGeom prst="flowChartOffpageConnector">
-            <a:avLst/>
-          </a:prstGeom>
-          <a:gradFill flip="none" rotWithShape="1">
-            <a:gsLst>
-              <a:gs pos="0">
-                <a:srgbClr val="A24057"/>
-              </a:gs>
-              <a:gs pos="43000">
-                <a:srgbClr val="BC5870"/>
-              </a:gs>
-              <a:gs pos="25160">
-                <a:srgbClr val="B44C65"/>
-              </a:gs>
-              <a:gs pos="81000">
-                <a:srgbClr val="C57588"/>
-              </a:gs>
-              <a:gs pos="65000">
-                <a:srgbClr val="CA7C8F"/>
-              </a:gs>
-              <a:gs pos="99000">
-                <a:srgbClr val="D391A1"/>
-              </a:gs>
-            </a:gsLst>
-            <a:lin ang="16200000" scaled="1"/>
-            <a:tileRect/>
-          </a:gradFill>
-          <a:ln>
-            <a:solidFill>
-              <a:srgbClr val="B0465F"/>
-            </a:solidFill>
-          </a:ln>
-        </p:spPr>
-        <p:style>
-          <a:lnRef idx="2">
-            <a:schemeClr val="accent1">
-              <a:shade val="50000"/>
-            </a:schemeClr>
-          </a:lnRef>
-          <a:fillRef idx="1">
-            <a:schemeClr val="accent1"/>
-          </a:fillRef>
-          <a:effectRef idx="0">
-            <a:schemeClr val="accent1"/>
-          </a:effectRef>
-          <a:fontRef idx="minor">
-            <a:schemeClr val="lt1"/>
-          </a:fontRef>
-        </p:style>
-        <p:txBody>
-          <a:bodyPr rtlCol="0" anchor="ctr" anchorCtr="0"/>
-          <a:lstStyle/>
-          <a:p>
-            <a:pPr marL="0" marR="0" lvl="0" indent="0" algn="ctr" defTabSz="914400" rtl="0" eaLnBrk="1" fontAlgn="auto" latinLnBrk="0" hangingPunct="1">
-              <a:lnSpc>
-                <a:spcPct val="100000"/>
-              </a:lnSpc>
-              <a:spcBef>
-                <a:spcPts val="1000"/>
-              </a:spcBef>
-              <a:spcAft>
-                <a:spcPts val="0"/>
-              </a:spcAft>
-              <a:buClrTx/>
-              <a:buSzTx/>
-              <a:buFontTx/>
-              <a:buNone/>
-              <a:tabLst/>
-              <a:defRPr/>
-            </a:pPr>
-            <a:endParaRPr kumimoji="0" lang="it-IT" sz="2800" b="0" i="0" u="none" strike="noStrike" kern="1200" cap="none" spc="0" normalizeH="0" baseline="0" noProof="0" dirty="0">
-              <a:ln>
-                <a:noFill/>
-              </a:ln>
-              <a:solidFill>
-                <a:prstClr val="white"/>
-              </a:solidFill>
-              <a:effectLst/>
-              <a:uLnTx/>
-              <a:uFillTx/>
-              <a:latin typeface="Times New Roman" panose="02020603050405020304" pitchFamily="18" charset="0"/>
-              <a:ea typeface="+mn-ea"/>
-              <a:cs typeface="Times New Roman" panose="02020603050405020304" pitchFamily="18" charset="0"/>
-            </a:endParaRPr>
-          </a:p>
-        </p:txBody>
-      </p:sp>
-      <p:pic>
-        <p:nvPicPr>
-          <p:cNvPr id="1026" name="Picture 2" descr="Home – Planet">
-            <a:extLst>
-              <a:ext uri="{FF2B5EF4-FFF2-40B4-BE49-F238E27FC236}">
-                <a16:creationId xmlns:a16="http://schemas.microsoft.com/office/drawing/2014/main" id="{ED775197-2553-4861-A1BF-CCB9B81C9D62}"/>
-              </a:ext>
-            </a:extLst>
-          </p:cNvPr>
-          <p:cNvPicPr>
-            <a:picLocks noChangeAspect="1" noChangeArrowheads="1"/>
-          </p:cNvPicPr>
-          <p:nvPr/>
-        </p:nvPicPr>
-        <p:blipFill>
-          <a:blip r:embed="rId2">
-            <a:extLst>
-              <a:ext uri="{28A0092B-C50C-407E-A947-70E740481C1C}">
-                <a14:useLocalDpi xmlns:a14="http://schemas.microsoft.com/office/drawing/2010/main" val="0"/>
-              </a:ext>
-            </a:extLst>
-          </a:blip>
-          <a:srcRect/>
-          <a:stretch>
-            <a:fillRect/>
-          </a:stretch>
-        </p:blipFill>
-        <p:spPr bwMode="auto">
-          <a:xfrm>
-            <a:off x="489099" y="463661"/>
-            <a:ext cx="2203540" cy="966918"/>
-          </a:xfrm>
-          <a:prstGeom prst="rect">
-            <a:avLst/>
-          </a:prstGeom>
-          <a:noFill/>
-          <a:extLst>
-            <a:ext uri="{909E8E84-426E-40DD-AFC4-6F175D3DCCD1}">
-              <a14:hiddenFill xmlns:a14="http://schemas.microsoft.com/office/drawing/2010/main">
-                <a:solidFill>
-                  <a:srgbClr val="FFFFFF"/>
-                </a:solidFill>
-              </a14:hiddenFill>
-            </a:ext>
-          </a:extLst>
-        </p:spPr>
-      </p:pic>
-      <p:sp>
-        <p:nvSpPr>
-          <p:cNvPr id="5" name="Rettangolo 4">
-            <a:extLst>
-              <a:ext uri="{FF2B5EF4-FFF2-40B4-BE49-F238E27FC236}">
-                <a16:creationId xmlns:a16="http://schemas.microsoft.com/office/drawing/2014/main" id="{E4E1E4B7-119B-C435-7730-F6EABB1715A5}"/>
-              </a:ext>
-            </a:extLst>
-          </p:cNvPr>
-          <p:cNvSpPr/>
-          <p:nvPr/>
-        </p:nvSpPr>
-        <p:spPr>
-          <a:xfrm>
-            <a:off x="0" y="6238865"/>
-            <a:ext cx="12192000" cy="643812"/>
-          </a:xfrm>
-          <a:prstGeom prst="rect">
-            <a:avLst/>
-          </a:prstGeom>
-          <a:gradFill flip="none" rotWithShape="1">
-            <a:gsLst>
-              <a:gs pos="0">
-                <a:srgbClr val="A24057"/>
-              </a:gs>
-              <a:gs pos="43000">
-                <a:srgbClr val="BC5870"/>
-              </a:gs>
-              <a:gs pos="25160">
-                <a:srgbClr val="B44C65"/>
-              </a:gs>
-              <a:gs pos="81000">
-                <a:srgbClr val="C57588"/>
-              </a:gs>
-              <a:gs pos="65000">
-                <a:srgbClr val="CA7C8F"/>
-              </a:gs>
-              <a:gs pos="99000">
-                <a:srgbClr val="D391A1"/>
-              </a:gs>
-            </a:gsLst>
-            <a:lin ang="16200000" scaled="1"/>
-            <a:tileRect/>
-          </a:gradFill>
-          <a:ln>
-            <a:solidFill>
-              <a:srgbClr val="B0465F"/>
-            </a:solidFill>
-          </a:ln>
-        </p:spPr>
-        <p:style>
-          <a:lnRef idx="2">
-            <a:schemeClr val="accent1">
-              <a:shade val="50000"/>
-            </a:schemeClr>
-          </a:lnRef>
-          <a:fillRef idx="1">
-            <a:schemeClr val="accent1"/>
-          </a:fillRef>
-          <a:effectRef idx="0">
-            <a:schemeClr val="accent1"/>
-          </a:effectRef>
-          <a:fontRef idx="minor">
-            <a:schemeClr val="lt1"/>
-          </a:fontRef>
-        </p:style>
-        <p:txBody>
-          <a:bodyPr rIns="9720000" rtlCol="0" anchor="ctr" anchorCtr="0"/>
-          <a:lstStyle/>
-          <a:p>
-            <a:pPr marL="0" marR="0" lvl="0" indent="0" algn="ctr" defTabSz="914400" rtl="0" eaLnBrk="1" fontAlgn="auto" latinLnBrk="0" hangingPunct="1">
-              <a:lnSpc>
-                <a:spcPct val="100000"/>
-              </a:lnSpc>
-              <a:spcBef>
-                <a:spcPts val="0"/>
-              </a:spcBef>
-              <a:spcAft>
-                <a:spcPts val="0"/>
-              </a:spcAft>
-              <a:buClrTx/>
-              <a:buSzTx/>
-              <a:buFontTx/>
-              <a:buNone/>
-              <a:tabLst/>
-              <a:defRPr/>
-            </a:pPr>
-            <a:endParaRPr kumimoji="0" lang="it-IT" sz="2800" b="0" i="0" u="none" strike="noStrike" kern="1200" cap="none" spc="0" normalizeH="0" baseline="0" noProof="0" dirty="0">
-              <a:ln>
-                <a:noFill/>
-              </a:ln>
-              <a:solidFill>
-                <a:prstClr val="white"/>
-              </a:solidFill>
-              <a:effectLst/>
-              <a:uLnTx/>
-              <a:uFillTx/>
-              <a:latin typeface="Times New Roman" panose="02020603050405020304" pitchFamily="18" charset="0"/>
-              <a:ea typeface="+mn-ea"/>
-              <a:cs typeface="Times New Roman" panose="02020603050405020304" pitchFamily="18" charset="0"/>
-            </a:endParaRPr>
-          </a:p>
-        </p:txBody>
-      </p:sp>
-      <p:sp>
-        <p:nvSpPr>
-          <p:cNvPr id="4" name="Rettangolo 3">
-            <a:extLst>
-              <a:ext uri="{FF2B5EF4-FFF2-40B4-BE49-F238E27FC236}">
-                <a16:creationId xmlns:a16="http://schemas.microsoft.com/office/drawing/2014/main" id="{E10DE2CF-C86C-4590-A5E2-941F5488E412}"/>
-              </a:ext>
-            </a:extLst>
-          </p:cNvPr>
-          <p:cNvSpPr/>
-          <p:nvPr/>
-        </p:nvSpPr>
-        <p:spPr>
-          <a:xfrm>
-            <a:off x="265890" y="6376105"/>
-            <a:ext cx="7409234" cy="369332"/>
-          </a:xfrm>
-          <a:prstGeom prst="rect">
-            <a:avLst/>
-          </a:prstGeom>
-        </p:spPr>
-        <p:txBody>
-          <a:bodyPr wrap="square">
-            <a:spAutoFit/>
-          </a:bodyPr>
-          <a:lstStyle/>
-          <a:p>
-            <a:pPr lvl="0">
-              <a:defRPr/>
-            </a:pPr>
-            <a:r>
-              <a:rPr lang="it-IT" dirty="0">
-                <a:solidFill>
-                  <a:prstClr val="white"/>
-                </a:solidFill>
-                <a:latin typeface="Times New Roman" panose="02020603050405020304" pitchFamily="18" charset="0"/>
-                <a:cs typeface="Times New Roman" panose="02020603050405020304" pitchFamily="18" charset="0"/>
-              </a:rPr>
-              <a:t>DETERMINARE I SOTTOPOLIGONI GENERATI:</a:t>
-            </a:r>
-          </a:p>
-        </p:txBody>
-      </p:sp>
-      <p:sp>
-        <p:nvSpPr>
-          <p:cNvPr id="3" name="Triangolo rettangolo 2">
-            <a:extLst>
-              <a:ext uri="{FF2B5EF4-FFF2-40B4-BE49-F238E27FC236}">
-                <a16:creationId xmlns:a16="http://schemas.microsoft.com/office/drawing/2014/main" id="{C28C7D26-D9B3-4215-9F6E-5DEEB1140F9F}"/>
-              </a:ext>
-            </a:extLst>
-          </p:cNvPr>
-          <p:cNvSpPr/>
-          <p:nvPr/>
-        </p:nvSpPr>
-        <p:spPr>
-          <a:xfrm rot="10800000" flipH="1">
-            <a:off x="3597756" y="1202503"/>
-            <a:ext cx="3250168" cy="2197446"/>
-          </a:xfrm>
-          <a:prstGeom prst="rtTriangle">
-            <a:avLst/>
-          </a:prstGeom>
-          <a:solidFill>
-            <a:srgbClr val="ABC0E4"/>
-          </a:solidFill>
-        </p:spPr>
-        <p:style>
-          <a:lnRef idx="2">
-            <a:schemeClr val="accent1">
-              <a:shade val="50000"/>
-            </a:schemeClr>
-          </a:lnRef>
-          <a:fillRef idx="1">
-            <a:schemeClr val="accent1"/>
-          </a:fillRef>
-          <a:effectRef idx="0">
-            <a:schemeClr val="accent1"/>
-          </a:effectRef>
-          <a:fontRef idx="minor">
-            <a:schemeClr val="lt1"/>
-          </a:fontRef>
-        </p:style>
-        <p:txBody>
-          <a:bodyPr rtlCol="0" anchor="ctr"/>
-          <a:lstStyle/>
-          <a:p>
-            <a:pPr algn="ctr"/>
-            <a:endParaRPr lang="it-IT"/>
-          </a:p>
-        </p:txBody>
-      </p:sp>
-      <p:sp>
-        <p:nvSpPr>
-          <p:cNvPr id="21" name="Ovale 20">
-            <a:extLst>
-              <a:ext uri="{FF2B5EF4-FFF2-40B4-BE49-F238E27FC236}">
-                <a16:creationId xmlns:a16="http://schemas.microsoft.com/office/drawing/2014/main" id="{13BCEB78-A15C-4CCF-BB5F-A703A18F2454}"/>
-              </a:ext>
-            </a:extLst>
-          </p:cNvPr>
-          <p:cNvSpPr/>
-          <p:nvPr/>
-        </p:nvSpPr>
-        <p:spPr>
-          <a:xfrm>
-            <a:off x="9289251" y="1483734"/>
-            <a:ext cx="155643" cy="162118"/>
-          </a:xfrm>
-          <a:prstGeom prst="ellipse">
-            <a:avLst/>
-          </a:prstGeom>
-          <a:solidFill>
-            <a:srgbClr val="002060"/>
-          </a:solidFill>
-        </p:spPr>
-        <p:style>
-          <a:lnRef idx="2">
-            <a:schemeClr val="accent1">
-              <a:shade val="50000"/>
-            </a:schemeClr>
-          </a:lnRef>
-          <a:fillRef idx="1">
-            <a:schemeClr val="accent1"/>
-          </a:fillRef>
-          <a:effectRef idx="0">
-            <a:schemeClr val="accent1"/>
-          </a:effectRef>
-          <a:fontRef idx="minor">
-            <a:schemeClr val="lt1"/>
-          </a:fontRef>
-        </p:style>
-        <p:txBody>
-          <a:bodyPr rtlCol="0" anchor="ctr"/>
-          <a:lstStyle/>
-          <a:p>
-            <a:pPr algn="ctr"/>
-            <a:endParaRPr lang="it-IT">
-              <a:solidFill>
-                <a:srgbClr val="00B050"/>
-              </a:solidFill>
-            </a:endParaRPr>
-          </a:p>
-        </p:txBody>
-      </p:sp>
-      <p:sp>
-        <p:nvSpPr>
-          <p:cNvPr id="29" name="Ovale 28">
-            <a:extLst>
-              <a:ext uri="{FF2B5EF4-FFF2-40B4-BE49-F238E27FC236}">
-                <a16:creationId xmlns:a16="http://schemas.microsoft.com/office/drawing/2014/main" id="{4B4073F8-3DCB-4754-92C7-BA7F7DA6496C}"/>
-              </a:ext>
-            </a:extLst>
-          </p:cNvPr>
-          <p:cNvSpPr/>
-          <p:nvPr/>
-        </p:nvSpPr>
-        <p:spPr>
-          <a:xfrm>
-            <a:off x="9367072" y="5036450"/>
-            <a:ext cx="155643" cy="162118"/>
-          </a:xfrm>
-          <a:prstGeom prst="ellipse">
-            <a:avLst/>
-          </a:prstGeom>
-          <a:solidFill>
-            <a:srgbClr val="FF0000"/>
-          </a:solidFill>
-        </p:spPr>
-        <p:style>
-          <a:lnRef idx="2">
-            <a:schemeClr val="accent1">
-              <a:shade val="50000"/>
-            </a:schemeClr>
-          </a:lnRef>
-          <a:fillRef idx="1">
-            <a:schemeClr val="accent1"/>
-          </a:fillRef>
-          <a:effectRef idx="0">
-            <a:schemeClr val="accent1"/>
-          </a:effectRef>
-          <a:fontRef idx="minor">
-            <a:schemeClr val="lt1"/>
-          </a:fontRef>
-        </p:style>
-        <p:txBody>
-          <a:bodyPr rtlCol="0" anchor="ctr"/>
-          <a:lstStyle/>
-          <a:p>
-            <a:pPr algn="ctr"/>
-            <a:endParaRPr lang="it-IT">
-              <a:solidFill>
-                <a:srgbClr val="00B050"/>
-              </a:solidFill>
-            </a:endParaRPr>
-          </a:p>
-        </p:txBody>
-      </p:sp>
-      <p:sp>
-        <p:nvSpPr>
-          <p:cNvPr id="2" name="Pentagono 1">
-            <a:extLst>
-              <a:ext uri="{FF2B5EF4-FFF2-40B4-BE49-F238E27FC236}">
-                <a16:creationId xmlns:a16="http://schemas.microsoft.com/office/drawing/2014/main" id="{84BD8AB9-2A4E-493B-9532-84CE2ED6FA33}"/>
-              </a:ext>
-            </a:extLst>
-          </p:cNvPr>
-          <p:cNvSpPr/>
-          <p:nvPr/>
-        </p:nvSpPr>
-        <p:spPr>
-          <a:xfrm>
-            <a:off x="4259076" y="2958676"/>
-            <a:ext cx="5481528" cy="2509256"/>
-          </a:xfrm>
-          <a:custGeom>
-            <a:avLst/>
-            <a:gdLst>
-              <a:gd name="connsiteX0" fmla="*/ 4 w 3448456"/>
-              <a:gd name="connsiteY0" fmla="*/ 1266848 h 3316659"/>
-              <a:gd name="connsiteX1" fmla="*/ 1724228 w 3448456"/>
-              <a:gd name="connsiteY1" fmla="*/ 0 h 3316659"/>
-              <a:gd name="connsiteX2" fmla="*/ 3448452 w 3448456"/>
-              <a:gd name="connsiteY2" fmla="*/ 1266848 h 3316659"/>
-              <a:gd name="connsiteX3" fmla="*/ 2789857 w 3448456"/>
-              <a:gd name="connsiteY3" fmla="*/ 3316651 h 3316659"/>
-              <a:gd name="connsiteX4" fmla="*/ 658599 w 3448456"/>
-              <a:gd name="connsiteY4" fmla="*/ 3316651 h 3316659"/>
-              <a:gd name="connsiteX5" fmla="*/ 4 w 3448456"/>
-              <a:gd name="connsiteY5" fmla="*/ 1266848 h 3316659"/>
-              <a:gd name="connsiteX0" fmla="*/ 0 w 3448448"/>
-              <a:gd name="connsiteY0" fmla="*/ 1266848 h 3316651"/>
-              <a:gd name="connsiteX1" fmla="*/ 1724224 w 3448448"/>
-              <a:gd name="connsiteY1" fmla="*/ 0 h 3316651"/>
-              <a:gd name="connsiteX2" fmla="*/ 3448448 w 3448448"/>
-              <a:gd name="connsiteY2" fmla="*/ 1266848 h 3316651"/>
-              <a:gd name="connsiteX3" fmla="*/ 2789853 w 3448448"/>
-              <a:gd name="connsiteY3" fmla="*/ 3316651 h 3316651"/>
-              <a:gd name="connsiteX4" fmla="*/ 658595 w 3448448"/>
-              <a:gd name="connsiteY4" fmla="*/ 3316651 h 3316651"/>
-              <a:gd name="connsiteX5" fmla="*/ 0 w 3448448"/>
-              <a:gd name="connsiteY5" fmla="*/ 1266848 h 3316651"/>
-              <a:gd name="connsiteX0" fmla="*/ 0 w 5432890"/>
-              <a:gd name="connsiteY0" fmla="*/ 1266848 h 3316651"/>
-              <a:gd name="connsiteX1" fmla="*/ 1724224 w 5432890"/>
-              <a:gd name="connsiteY1" fmla="*/ 0 h 3316651"/>
-              <a:gd name="connsiteX2" fmla="*/ 5432890 w 5432890"/>
-              <a:gd name="connsiteY2" fmla="*/ 1072295 h 3316651"/>
-              <a:gd name="connsiteX3" fmla="*/ 2789853 w 5432890"/>
-              <a:gd name="connsiteY3" fmla="*/ 3316651 h 3316651"/>
-              <a:gd name="connsiteX4" fmla="*/ 658595 w 5432890"/>
-              <a:gd name="connsiteY4" fmla="*/ 3316651 h 3316651"/>
-              <a:gd name="connsiteX5" fmla="*/ 0 w 5432890"/>
-              <a:gd name="connsiteY5" fmla="*/ 1266848 h 3316651"/>
-              <a:gd name="connsiteX0" fmla="*/ 0 w 5432890"/>
-              <a:gd name="connsiteY0" fmla="*/ 1227938 h 3277741"/>
-              <a:gd name="connsiteX1" fmla="*/ 1733951 w 5432890"/>
-              <a:gd name="connsiteY1" fmla="*/ 0 h 3277741"/>
-              <a:gd name="connsiteX2" fmla="*/ 5432890 w 5432890"/>
-              <a:gd name="connsiteY2" fmla="*/ 1033385 h 3277741"/>
-              <a:gd name="connsiteX3" fmla="*/ 2789853 w 5432890"/>
-              <a:gd name="connsiteY3" fmla="*/ 3277741 h 3277741"/>
-              <a:gd name="connsiteX4" fmla="*/ 658595 w 5432890"/>
-              <a:gd name="connsiteY4" fmla="*/ 3277741 h 3277741"/>
-              <a:gd name="connsiteX5" fmla="*/ 0 w 5432890"/>
-              <a:gd name="connsiteY5" fmla="*/ 1227938 h 3277741"/>
-              <a:gd name="connsiteX0" fmla="*/ 0 w 5432890"/>
-              <a:gd name="connsiteY0" fmla="*/ 722099 h 2771902"/>
-              <a:gd name="connsiteX1" fmla="*/ 1840955 w 5432890"/>
-              <a:gd name="connsiteY1" fmla="*/ 0 h 2771902"/>
-              <a:gd name="connsiteX2" fmla="*/ 5432890 w 5432890"/>
-              <a:gd name="connsiteY2" fmla="*/ 527546 h 2771902"/>
-              <a:gd name="connsiteX3" fmla="*/ 2789853 w 5432890"/>
-              <a:gd name="connsiteY3" fmla="*/ 2771902 h 2771902"/>
-              <a:gd name="connsiteX4" fmla="*/ 658595 w 5432890"/>
-              <a:gd name="connsiteY4" fmla="*/ 2771902 h 2771902"/>
-              <a:gd name="connsiteX5" fmla="*/ 0 w 5432890"/>
-              <a:gd name="connsiteY5" fmla="*/ 722099 h 2771902"/>
-              <a:gd name="connsiteX0" fmla="*/ 0 w 5432890"/>
-              <a:gd name="connsiteY0" fmla="*/ 1120933 h 3170736"/>
-              <a:gd name="connsiteX1" fmla="*/ 1695041 w 5432890"/>
-              <a:gd name="connsiteY1" fmla="*/ 0 h 3170736"/>
-              <a:gd name="connsiteX2" fmla="*/ 5432890 w 5432890"/>
-              <a:gd name="connsiteY2" fmla="*/ 926380 h 3170736"/>
-              <a:gd name="connsiteX3" fmla="*/ 2789853 w 5432890"/>
-              <a:gd name="connsiteY3" fmla="*/ 3170736 h 3170736"/>
-              <a:gd name="connsiteX4" fmla="*/ 658595 w 5432890"/>
-              <a:gd name="connsiteY4" fmla="*/ 3170736 h 3170736"/>
-              <a:gd name="connsiteX5" fmla="*/ 0 w 5432890"/>
-              <a:gd name="connsiteY5" fmla="*/ 1120933 h 3170736"/>
-              <a:gd name="connsiteX0" fmla="*/ 0 w 5464959"/>
-              <a:gd name="connsiteY0" fmla="*/ 1120933 h 3170736"/>
-              <a:gd name="connsiteX1" fmla="*/ 1695041 w 5464959"/>
-              <a:gd name="connsiteY1" fmla="*/ 0 h 3170736"/>
-              <a:gd name="connsiteX2" fmla="*/ 5432890 w 5464959"/>
-              <a:gd name="connsiteY2" fmla="*/ 926380 h 3170736"/>
-              <a:gd name="connsiteX3" fmla="*/ 5464959 w 5464959"/>
-              <a:gd name="connsiteY3" fmla="*/ 2509256 h 3170736"/>
-              <a:gd name="connsiteX4" fmla="*/ 658595 w 5464959"/>
-              <a:gd name="connsiteY4" fmla="*/ 3170736 h 3170736"/>
-              <a:gd name="connsiteX5" fmla="*/ 0 w 5464959"/>
-              <a:gd name="connsiteY5" fmla="*/ 1120933 h 3170736"/>
-              <a:gd name="connsiteX0" fmla="*/ 0 w 5481528"/>
-              <a:gd name="connsiteY0" fmla="*/ 1120933 h 3170736"/>
-              <a:gd name="connsiteX1" fmla="*/ 1695041 w 5481528"/>
-              <a:gd name="connsiteY1" fmla="*/ 0 h 3170736"/>
-              <a:gd name="connsiteX2" fmla="*/ 5481528 w 5481528"/>
-              <a:gd name="connsiteY2" fmla="*/ 965291 h 3170736"/>
-              <a:gd name="connsiteX3" fmla="*/ 5464959 w 5481528"/>
-              <a:gd name="connsiteY3" fmla="*/ 2509256 h 3170736"/>
-              <a:gd name="connsiteX4" fmla="*/ 658595 w 5481528"/>
-              <a:gd name="connsiteY4" fmla="*/ 3170736 h 3170736"/>
-              <a:gd name="connsiteX5" fmla="*/ 0 w 5481528"/>
-              <a:gd name="connsiteY5" fmla="*/ 1120933 h 3170736"/>
-              <a:gd name="connsiteX0" fmla="*/ 0 w 5481528"/>
-              <a:gd name="connsiteY0" fmla="*/ 1120933 h 2509256"/>
-              <a:gd name="connsiteX1" fmla="*/ 1695041 w 5481528"/>
-              <a:gd name="connsiteY1" fmla="*/ 0 h 2509256"/>
-              <a:gd name="connsiteX2" fmla="*/ 5481528 w 5481528"/>
-              <a:gd name="connsiteY2" fmla="*/ 965291 h 2509256"/>
-              <a:gd name="connsiteX3" fmla="*/ 5464959 w 5481528"/>
-              <a:gd name="connsiteY3" fmla="*/ 2509256 h 2509256"/>
-              <a:gd name="connsiteX4" fmla="*/ 26297 w 5481528"/>
-              <a:gd name="connsiteY4" fmla="*/ 2470344 h 2509256"/>
-              <a:gd name="connsiteX5" fmla="*/ 0 w 5481528"/>
-              <a:gd name="connsiteY5" fmla="*/ 1120933 h 2509256"/>
-            </a:gdLst>
-            <a:ahLst/>
-            <a:cxnLst>
-              <a:cxn ang="0">
-                <a:pos x="connsiteX0" y="connsiteY0"/>
-              </a:cxn>
-              <a:cxn ang="0">
-                <a:pos x="connsiteX1" y="connsiteY1"/>
-              </a:cxn>
-              <a:cxn ang="0">
-                <a:pos x="connsiteX2" y="connsiteY2"/>
-              </a:cxn>
-              <a:cxn ang="0">
-                <a:pos x="connsiteX3" y="connsiteY3"/>
-              </a:cxn>
-              <a:cxn ang="0">
-                <a:pos x="connsiteX4" y="connsiteY4"/>
-              </a:cxn>
-              <a:cxn ang="0">
-                <a:pos x="connsiteX5" y="connsiteY5"/>
-              </a:cxn>
-            </a:cxnLst>
-            <a:rect l="l" t="t" r="r" b="b"/>
-            <a:pathLst>
-              <a:path w="5481528" h="2509256">
-                <a:moveTo>
-                  <a:pt x="0" y="1120933"/>
-                </a:moveTo>
-                <a:lnTo>
-                  <a:pt x="1695041" y="0"/>
-                </a:lnTo>
-                <a:lnTo>
-                  <a:pt x="5481528" y="965291"/>
-                </a:lnTo>
-                <a:lnTo>
-                  <a:pt x="5464959" y="2509256"/>
-                </a:lnTo>
-                <a:lnTo>
-                  <a:pt x="26297" y="2470344"/>
-                </a:lnTo>
-                <a:lnTo>
-                  <a:pt x="0" y="1120933"/>
-                </a:lnTo>
-                <a:close/>
-              </a:path>
-            </a:pathLst>
-          </a:custGeom>
-          <a:solidFill>
-            <a:srgbClr val="ABC0E4"/>
-          </a:solidFill>
-        </p:spPr>
-        <p:style>
-          <a:lnRef idx="2">
-            <a:schemeClr val="accent1">
-              <a:shade val="50000"/>
-            </a:schemeClr>
-          </a:lnRef>
-          <a:fillRef idx="1">
-            <a:schemeClr val="accent1"/>
-          </a:fillRef>
-          <a:effectRef idx="0">
-            <a:schemeClr val="accent1"/>
-          </a:effectRef>
-          <a:fontRef idx="minor">
-            <a:schemeClr val="lt1"/>
-          </a:fontRef>
-        </p:style>
-        <p:txBody>
-          <a:bodyPr rtlCol="0" anchor="ctr"/>
-          <a:lstStyle/>
-          <a:p>
-            <a:pPr algn="ctr"/>
-            <a:endParaRPr lang="it-IT" dirty="0"/>
-          </a:p>
-        </p:txBody>
-      </p:sp>
-      <p:sp>
-        <p:nvSpPr>
-          <p:cNvPr id="25" name="Ovale 24">
-            <a:extLst>
-              <a:ext uri="{FF2B5EF4-FFF2-40B4-BE49-F238E27FC236}">
-                <a16:creationId xmlns:a16="http://schemas.microsoft.com/office/drawing/2014/main" id="{D062992E-5208-4903-8985-B695B04E2315}"/>
-              </a:ext>
-            </a:extLst>
-          </p:cNvPr>
-          <p:cNvSpPr/>
-          <p:nvPr/>
-        </p:nvSpPr>
-        <p:spPr>
-          <a:xfrm>
-            <a:off x="4182876" y="5327535"/>
-            <a:ext cx="155643" cy="162118"/>
-          </a:xfrm>
-          <a:prstGeom prst="ellipse">
-            <a:avLst/>
-          </a:prstGeom>
-          <a:solidFill>
-            <a:srgbClr val="FF0000"/>
-          </a:solidFill>
-        </p:spPr>
-        <p:style>
-          <a:lnRef idx="2">
-            <a:schemeClr val="accent1">
-              <a:shade val="50000"/>
-            </a:schemeClr>
-          </a:lnRef>
-          <a:fillRef idx="1">
-            <a:schemeClr val="accent1"/>
-          </a:fillRef>
-          <a:effectRef idx="0">
-            <a:schemeClr val="accent1"/>
-          </a:effectRef>
-          <a:fontRef idx="minor">
-            <a:schemeClr val="lt1"/>
-          </a:fontRef>
-        </p:style>
-        <p:txBody>
-          <a:bodyPr rtlCol="0" anchor="ctr"/>
-          <a:lstStyle/>
-          <a:p>
-            <a:pPr algn="ctr"/>
-            <a:endParaRPr lang="it-IT">
-              <a:solidFill>
-                <a:srgbClr val="00B050"/>
-              </a:solidFill>
-            </a:endParaRPr>
-          </a:p>
-        </p:txBody>
-      </p:sp>
-      <p:sp>
-        <p:nvSpPr>
-          <p:cNvPr id="28" name="Ovale 27">
-            <a:extLst>
-              <a:ext uri="{FF2B5EF4-FFF2-40B4-BE49-F238E27FC236}">
-                <a16:creationId xmlns:a16="http://schemas.microsoft.com/office/drawing/2014/main" id="{120147DE-A743-41E1-8829-ADD53331231B}"/>
-              </a:ext>
-            </a:extLst>
-          </p:cNvPr>
-          <p:cNvSpPr/>
-          <p:nvPr/>
-        </p:nvSpPr>
-        <p:spPr>
-          <a:xfrm>
-            <a:off x="5865779" y="2871390"/>
-            <a:ext cx="155643" cy="162118"/>
-          </a:xfrm>
-          <a:prstGeom prst="ellipse">
-            <a:avLst/>
-          </a:prstGeom>
-          <a:solidFill>
-            <a:srgbClr val="FF0000"/>
-          </a:solidFill>
-        </p:spPr>
-        <p:style>
-          <a:lnRef idx="2">
-            <a:schemeClr val="accent1">
-              <a:shade val="50000"/>
-            </a:schemeClr>
-          </a:lnRef>
-          <a:fillRef idx="1">
-            <a:schemeClr val="accent1"/>
-          </a:fillRef>
-          <a:effectRef idx="0">
-            <a:schemeClr val="accent1"/>
-          </a:effectRef>
-          <a:fontRef idx="minor">
-            <a:schemeClr val="lt1"/>
-          </a:fontRef>
-        </p:style>
-        <p:txBody>
-          <a:bodyPr rtlCol="0" anchor="ctr"/>
-          <a:lstStyle/>
-          <a:p>
-            <a:pPr algn="ctr"/>
-            <a:endParaRPr lang="it-IT">
-              <a:solidFill>
-                <a:srgbClr val="00B050"/>
-              </a:solidFill>
-            </a:endParaRPr>
-          </a:p>
-        </p:txBody>
-      </p:sp>
-      <p:sp>
-        <p:nvSpPr>
-          <p:cNvPr id="24" name="Ovale 23">
-            <a:extLst>
-              <a:ext uri="{FF2B5EF4-FFF2-40B4-BE49-F238E27FC236}">
-                <a16:creationId xmlns:a16="http://schemas.microsoft.com/office/drawing/2014/main" id="{75B44752-E005-4596-A441-0C728532B122}"/>
-              </a:ext>
-            </a:extLst>
-          </p:cNvPr>
-          <p:cNvSpPr/>
-          <p:nvPr/>
-        </p:nvSpPr>
-        <p:spPr>
-          <a:xfrm>
-            <a:off x="4181254" y="4008765"/>
-            <a:ext cx="155643" cy="162118"/>
-          </a:xfrm>
-          <a:prstGeom prst="ellipse">
-            <a:avLst/>
-          </a:prstGeom>
-          <a:solidFill>
-            <a:srgbClr val="FF0000"/>
-          </a:solidFill>
-        </p:spPr>
-        <p:style>
-          <a:lnRef idx="2">
-            <a:schemeClr val="accent1">
-              <a:shade val="50000"/>
-            </a:schemeClr>
-          </a:lnRef>
-          <a:fillRef idx="1">
-            <a:schemeClr val="accent1"/>
-          </a:fillRef>
-          <a:effectRef idx="0">
-            <a:schemeClr val="accent1"/>
-          </a:effectRef>
-          <a:fontRef idx="minor">
-            <a:schemeClr val="lt1"/>
-          </a:fontRef>
-        </p:style>
-        <p:txBody>
-          <a:bodyPr rtlCol="0" anchor="ctr"/>
-          <a:lstStyle/>
-          <a:p>
-            <a:pPr algn="ctr"/>
-            <a:endParaRPr lang="it-IT">
-              <a:solidFill>
-                <a:srgbClr val="00B050"/>
-              </a:solidFill>
-            </a:endParaRPr>
-          </a:p>
-        </p:txBody>
-      </p:sp>
-      <p:sp>
-        <p:nvSpPr>
-          <p:cNvPr id="26" name="Ovale 25">
-            <a:extLst>
-              <a:ext uri="{FF2B5EF4-FFF2-40B4-BE49-F238E27FC236}">
-                <a16:creationId xmlns:a16="http://schemas.microsoft.com/office/drawing/2014/main" id="{31CB9159-CCEE-4889-ADF2-657EA99FF361}"/>
-              </a:ext>
-            </a:extLst>
-          </p:cNvPr>
-          <p:cNvSpPr/>
-          <p:nvPr/>
-        </p:nvSpPr>
-        <p:spPr>
-          <a:xfrm>
-            <a:off x="9654486" y="3846647"/>
-            <a:ext cx="155643" cy="162118"/>
-          </a:xfrm>
-          <a:prstGeom prst="ellipse">
-            <a:avLst/>
-          </a:prstGeom>
-          <a:solidFill>
-            <a:srgbClr val="FF0000"/>
-          </a:solidFill>
-        </p:spPr>
-        <p:style>
-          <a:lnRef idx="2">
-            <a:schemeClr val="accent1">
-              <a:shade val="50000"/>
-            </a:schemeClr>
-          </a:lnRef>
-          <a:fillRef idx="1">
-            <a:schemeClr val="accent1"/>
-          </a:fillRef>
-          <a:effectRef idx="0">
-            <a:schemeClr val="accent1"/>
-          </a:effectRef>
-          <a:fontRef idx="minor">
-            <a:schemeClr val="lt1"/>
-          </a:fontRef>
-        </p:style>
-        <p:txBody>
-          <a:bodyPr rtlCol="0" anchor="ctr"/>
-          <a:lstStyle/>
-          <a:p>
-            <a:pPr algn="ctr"/>
-            <a:endParaRPr lang="it-IT">
-              <a:solidFill>
-                <a:srgbClr val="00B050"/>
-              </a:solidFill>
-            </a:endParaRPr>
-          </a:p>
-        </p:txBody>
-      </p:sp>
-      <p:sp>
-        <p:nvSpPr>
-          <p:cNvPr id="30" name="Ovale 29">
-            <a:extLst>
-              <a:ext uri="{FF2B5EF4-FFF2-40B4-BE49-F238E27FC236}">
-                <a16:creationId xmlns:a16="http://schemas.microsoft.com/office/drawing/2014/main" id="{B3D71A53-E0D0-4DBE-A329-86B7C52986B8}"/>
-              </a:ext>
-            </a:extLst>
-          </p:cNvPr>
-          <p:cNvSpPr/>
-          <p:nvPr/>
-        </p:nvSpPr>
-        <p:spPr>
-          <a:xfrm>
-            <a:off x="9654485" y="5371385"/>
-            <a:ext cx="155643" cy="162118"/>
-          </a:xfrm>
-          <a:prstGeom prst="ellipse">
-            <a:avLst/>
-          </a:prstGeom>
-          <a:solidFill>
-            <a:srgbClr val="FF0000"/>
-          </a:solidFill>
-        </p:spPr>
-        <p:style>
-          <a:lnRef idx="2">
-            <a:schemeClr val="accent1">
-              <a:shade val="50000"/>
-            </a:schemeClr>
-          </a:lnRef>
-          <a:fillRef idx="1">
-            <a:schemeClr val="accent1"/>
-          </a:fillRef>
-          <a:effectRef idx="0">
-            <a:schemeClr val="accent1"/>
-          </a:effectRef>
-          <a:fontRef idx="minor">
-            <a:schemeClr val="lt1"/>
-          </a:fontRef>
-        </p:style>
-        <p:txBody>
-          <a:bodyPr rtlCol="0" anchor="ctr"/>
-          <a:lstStyle/>
-          <a:p>
-            <a:pPr algn="ctr"/>
-            <a:endParaRPr lang="it-IT">
-              <a:solidFill>
-                <a:srgbClr val="00B050"/>
-              </a:solidFill>
-            </a:endParaRPr>
-          </a:p>
-        </p:txBody>
-      </p:sp>
-      <p:sp>
-        <p:nvSpPr>
-          <p:cNvPr id="6" name="Rettangolo 5">
-            <a:extLst>
-              <a:ext uri="{FF2B5EF4-FFF2-40B4-BE49-F238E27FC236}">
-                <a16:creationId xmlns:a16="http://schemas.microsoft.com/office/drawing/2014/main" id="{3E0737F2-BB2C-4AE4-B59E-6AE72F229ADE}"/>
-              </a:ext>
-            </a:extLst>
-          </p:cNvPr>
-          <p:cNvSpPr/>
-          <p:nvPr/>
-        </p:nvSpPr>
-        <p:spPr>
-          <a:xfrm>
-            <a:off x="6254886" y="1446399"/>
-            <a:ext cx="3780646" cy="2015072"/>
-          </a:xfrm>
-          <a:custGeom>
-            <a:avLst/>
-            <a:gdLst>
-              <a:gd name="connsiteX0" fmla="*/ 0 w 2224220"/>
-              <a:gd name="connsiteY0" fmla="*/ 0 h 2015072"/>
-              <a:gd name="connsiteX1" fmla="*/ 2224220 w 2224220"/>
-              <a:gd name="connsiteY1" fmla="*/ 0 h 2015072"/>
-              <a:gd name="connsiteX2" fmla="*/ 2224220 w 2224220"/>
-              <a:gd name="connsiteY2" fmla="*/ 2015072 h 2015072"/>
-              <a:gd name="connsiteX3" fmla="*/ 0 w 2224220"/>
-              <a:gd name="connsiteY3" fmla="*/ 2015072 h 2015072"/>
-              <a:gd name="connsiteX4" fmla="*/ 0 w 2224220"/>
-              <a:gd name="connsiteY4" fmla="*/ 0 h 2015072"/>
-              <a:gd name="connsiteX0" fmla="*/ 1556426 w 3780646"/>
-              <a:gd name="connsiteY0" fmla="*/ 0 h 2015072"/>
-              <a:gd name="connsiteX1" fmla="*/ 3780646 w 3780646"/>
-              <a:gd name="connsiteY1" fmla="*/ 0 h 2015072"/>
-              <a:gd name="connsiteX2" fmla="*/ 3780646 w 3780646"/>
-              <a:gd name="connsiteY2" fmla="*/ 2015072 h 2015072"/>
-              <a:gd name="connsiteX3" fmla="*/ 0 w 3780646"/>
-              <a:gd name="connsiteY3" fmla="*/ 1071489 h 2015072"/>
-              <a:gd name="connsiteX4" fmla="*/ 1556426 w 3780646"/>
-              <a:gd name="connsiteY4" fmla="*/ 0 h 2015072"/>
-              <a:gd name="connsiteX0" fmla="*/ 1556426 w 3780646"/>
-              <a:gd name="connsiteY0" fmla="*/ 0 h 2015072"/>
-              <a:gd name="connsiteX1" fmla="*/ 3770919 w 3780646"/>
-              <a:gd name="connsiteY1" fmla="*/ 19455 h 2015072"/>
-              <a:gd name="connsiteX2" fmla="*/ 3780646 w 3780646"/>
-              <a:gd name="connsiteY2" fmla="*/ 2015072 h 2015072"/>
-              <a:gd name="connsiteX3" fmla="*/ 0 w 3780646"/>
-              <a:gd name="connsiteY3" fmla="*/ 1071489 h 2015072"/>
-              <a:gd name="connsiteX4" fmla="*/ 1556426 w 3780646"/>
-              <a:gd name="connsiteY4" fmla="*/ 0 h 2015072"/>
-            </a:gdLst>
-            <a:ahLst/>
-            <a:cxnLst>
-              <a:cxn ang="0">
-                <a:pos x="connsiteX0" y="connsiteY0"/>
-              </a:cxn>
-              <a:cxn ang="0">
-                <a:pos x="connsiteX1" y="connsiteY1"/>
-              </a:cxn>
-              <a:cxn ang="0">
-                <a:pos x="connsiteX2" y="connsiteY2"/>
-              </a:cxn>
-              <a:cxn ang="0">
-                <a:pos x="connsiteX3" y="connsiteY3"/>
-              </a:cxn>
-              <a:cxn ang="0">
-                <a:pos x="connsiteX4" y="connsiteY4"/>
-              </a:cxn>
-            </a:cxnLst>
-            <a:rect l="l" t="t" r="r" b="b"/>
-            <a:pathLst>
-              <a:path w="3780646" h="2015072">
-                <a:moveTo>
-                  <a:pt x="1556426" y="0"/>
-                </a:moveTo>
-                <a:lnTo>
-                  <a:pt x="3770919" y="19455"/>
-                </a:lnTo>
-                <a:cubicBezTo>
-                  <a:pt x="3774161" y="684661"/>
-                  <a:pt x="3777404" y="1349866"/>
-                  <a:pt x="3780646" y="2015072"/>
-                </a:cubicBezTo>
-                <a:lnTo>
-                  <a:pt x="0" y="1071489"/>
-                </a:lnTo>
-                <a:lnTo>
-                  <a:pt x="1556426" y="0"/>
-                </a:lnTo>
-                <a:close/>
-              </a:path>
-            </a:pathLst>
-          </a:custGeom>
-          <a:solidFill>
-            <a:srgbClr val="ABC0E4"/>
-          </a:solidFill>
-        </p:spPr>
-        <p:style>
-          <a:lnRef idx="2">
-            <a:schemeClr val="accent1">
-              <a:shade val="50000"/>
-            </a:schemeClr>
-          </a:lnRef>
-          <a:fillRef idx="1">
-            <a:schemeClr val="accent1"/>
-          </a:fillRef>
-          <a:effectRef idx="0">
-            <a:schemeClr val="accent1"/>
-          </a:effectRef>
-          <a:fontRef idx="minor">
-            <a:schemeClr val="lt1"/>
-          </a:fontRef>
-        </p:style>
-        <p:txBody>
-          <a:bodyPr rtlCol="0" anchor="ctr"/>
-          <a:lstStyle/>
-          <a:p>
-            <a:pPr algn="ctr"/>
-            <a:endParaRPr lang="it-IT"/>
-          </a:p>
-        </p:txBody>
-      </p:sp>
-      <p:sp>
-        <p:nvSpPr>
-          <p:cNvPr id="20" name="Ovale 19">
-            <a:extLst>
-              <a:ext uri="{FF2B5EF4-FFF2-40B4-BE49-F238E27FC236}">
-                <a16:creationId xmlns:a16="http://schemas.microsoft.com/office/drawing/2014/main" id="{5EEC469A-3612-4348-A3D7-EF8FEB5D4B37}"/>
-              </a:ext>
-            </a:extLst>
-          </p:cNvPr>
-          <p:cNvSpPr/>
-          <p:nvPr/>
-        </p:nvSpPr>
-        <p:spPr>
-          <a:xfrm>
-            <a:off x="7727222" y="1403524"/>
-            <a:ext cx="155643" cy="162118"/>
-          </a:xfrm>
-          <a:prstGeom prst="ellipse">
-            <a:avLst/>
-          </a:prstGeom>
-          <a:solidFill>
-            <a:srgbClr val="002060"/>
-          </a:solidFill>
-        </p:spPr>
-        <p:style>
-          <a:lnRef idx="2">
-            <a:schemeClr val="accent1">
-              <a:shade val="50000"/>
-            </a:schemeClr>
-          </a:lnRef>
-          <a:fillRef idx="1">
-            <a:schemeClr val="accent1"/>
-          </a:fillRef>
-          <a:effectRef idx="0">
-            <a:schemeClr val="accent1"/>
-          </a:effectRef>
-          <a:fontRef idx="minor">
-            <a:schemeClr val="lt1"/>
-          </a:fontRef>
-        </p:style>
-        <p:txBody>
-          <a:bodyPr rtlCol="0" anchor="ctr"/>
-          <a:lstStyle/>
-          <a:p>
-            <a:pPr algn="ctr"/>
-            <a:endParaRPr lang="it-IT">
-              <a:solidFill>
-                <a:srgbClr val="00B050"/>
-              </a:solidFill>
-            </a:endParaRPr>
-          </a:p>
-        </p:txBody>
-      </p:sp>
-      <p:sp>
-        <p:nvSpPr>
-          <p:cNvPr id="23" name="Ovale 22">
-            <a:extLst>
-              <a:ext uri="{FF2B5EF4-FFF2-40B4-BE49-F238E27FC236}">
-                <a16:creationId xmlns:a16="http://schemas.microsoft.com/office/drawing/2014/main" id="{84D0D331-C2CA-4B84-A417-F81EC562666E}"/>
-              </a:ext>
-            </a:extLst>
-          </p:cNvPr>
-          <p:cNvSpPr/>
-          <p:nvPr/>
-        </p:nvSpPr>
-        <p:spPr>
-          <a:xfrm>
-            <a:off x="9943562" y="3380412"/>
-            <a:ext cx="155643" cy="162118"/>
-          </a:xfrm>
-          <a:prstGeom prst="ellipse">
-            <a:avLst/>
-          </a:prstGeom>
-          <a:solidFill>
-            <a:srgbClr val="002060"/>
-          </a:solidFill>
-        </p:spPr>
-        <p:style>
-          <a:lnRef idx="2">
-            <a:schemeClr val="accent1">
-              <a:shade val="50000"/>
-            </a:schemeClr>
-          </a:lnRef>
-          <a:fillRef idx="1">
-            <a:schemeClr val="accent1"/>
-          </a:fillRef>
-          <a:effectRef idx="0">
-            <a:schemeClr val="accent1"/>
-          </a:effectRef>
-          <a:fontRef idx="minor">
-            <a:schemeClr val="lt1"/>
-          </a:fontRef>
-        </p:style>
-        <p:txBody>
-          <a:bodyPr rtlCol="0" anchor="ctr"/>
-          <a:lstStyle/>
-          <a:p>
-            <a:pPr algn="ctr"/>
-            <a:endParaRPr lang="it-IT">
-              <a:solidFill>
-                <a:srgbClr val="00B050"/>
-              </a:solidFill>
-            </a:endParaRPr>
-          </a:p>
-        </p:txBody>
-      </p:sp>
-      <p:sp>
-        <p:nvSpPr>
-          <p:cNvPr id="22" name="Ovale 21">
-            <a:extLst>
-              <a:ext uri="{FF2B5EF4-FFF2-40B4-BE49-F238E27FC236}">
-                <a16:creationId xmlns:a16="http://schemas.microsoft.com/office/drawing/2014/main" id="{9BB74AC3-D2A3-4A33-AC4F-A96C4EDC5CDE}"/>
-              </a:ext>
-            </a:extLst>
-          </p:cNvPr>
-          <p:cNvSpPr/>
-          <p:nvPr/>
-        </p:nvSpPr>
-        <p:spPr>
-          <a:xfrm>
-            <a:off x="6203691" y="2442913"/>
-            <a:ext cx="155643" cy="162118"/>
-          </a:xfrm>
-          <a:prstGeom prst="ellipse">
-            <a:avLst/>
-          </a:prstGeom>
-          <a:solidFill>
-            <a:srgbClr val="002060"/>
-          </a:solidFill>
-        </p:spPr>
-        <p:style>
-          <a:lnRef idx="2">
-            <a:schemeClr val="accent1">
-              <a:shade val="50000"/>
-            </a:schemeClr>
-          </a:lnRef>
-          <a:fillRef idx="1">
-            <a:schemeClr val="accent1"/>
-          </a:fillRef>
-          <a:effectRef idx="0">
-            <a:schemeClr val="accent1"/>
-          </a:effectRef>
-          <a:fontRef idx="minor">
-            <a:schemeClr val="lt1"/>
-          </a:fontRef>
-        </p:style>
-        <p:txBody>
-          <a:bodyPr rtlCol="0" anchor="ctr"/>
-          <a:lstStyle/>
-          <a:p>
-            <a:pPr algn="ctr"/>
-            <a:endParaRPr lang="it-IT">
-              <a:solidFill>
-                <a:srgbClr val="00B050"/>
-              </a:solidFill>
-            </a:endParaRPr>
-          </a:p>
-        </p:txBody>
-      </p:sp>
-      <p:sp>
-        <p:nvSpPr>
-          <p:cNvPr id="31" name="Ovale 30">
-            <a:extLst>
-              <a:ext uri="{FF2B5EF4-FFF2-40B4-BE49-F238E27FC236}">
-                <a16:creationId xmlns:a16="http://schemas.microsoft.com/office/drawing/2014/main" id="{37EB1C39-75CA-442B-9280-EC206C62C342}"/>
-              </a:ext>
-            </a:extLst>
-          </p:cNvPr>
-          <p:cNvSpPr/>
-          <p:nvPr/>
-        </p:nvSpPr>
-        <p:spPr>
-          <a:xfrm>
-            <a:off x="9924108" y="1403524"/>
-            <a:ext cx="155643" cy="162118"/>
-          </a:xfrm>
-          <a:prstGeom prst="ellipse">
-            <a:avLst/>
-          </a:prstGeom>
-          <a:solidFill>
-            <a:srgbClr val="002060"/>
-          </a:solidFill>
-        </p:spPr>
-        <p:style>
-          <a:lnRef idx="2">
-            <a:schemeClr val="accent1">
-              <a:shade val="50000"/>
-            </a:schemeClr>
-          </a:lnRef>
-          <a:fillRef idx="1">
-            <a:schemeClr val="accent1"/>
-          </a:fillRef>
-          <a:effectRef idx="0">
-            <a:schemeClr val="accent1"/>
-          </a:effectRef>
-          <a:fontRef idx="minor">
-            <a:schemeClr val="lt1"/>
-          </a:fontRef>
-        </p:style>
-        <p:txBody>
-          <a:bodyPr rtlCol="0" anchor="ctr"/>
-          <a:lstStyle/>
-          <a:p>
-            <a:pPr algn="ctr"/>
-            <a:endParaRPr lang="it-IT">
-              <a:solidFill>
-                <a:srgbClr val="00B050"/>
-              </a:solidFill>
-            </a:endParaRPr>
-          </a:p>
-        </p:txBody>
-      </p:sp>
-      <p:sp>
-        <p:nvSpPr>
           <p:cNvPr id="7" name="Rettangolo 6">
             <a:extLst>
               <a:ext uri="{FF2B5EF4-FFF2-40B4-BE49-F238E27FC236}">
@@ -30244,7 +27580,7 @@
 </p:sld>
 </file>
 
-<file path=ppt/slides/slide34.xml><?xml version="1.0" encoding="utf-8"?>
+<file path=ppt/slides/slide32.xml><?xml version="1.0" encoding="utf-8"?>
 <p:sld xmlns:a="http://schemas.openxmlformats.org/drawingml/2006/main" xmlns:r="http://schemas.openxmlformats.org/officeDocument/2006/relationships" xmlns:p="http://schemas.openxmlformats.org/presentationml/2006/main">
   <p:cSld>
     <p:spTree>
@@ -31405,7 +28741,7 @@
 </p:sld>
 </file>
 
-<file path=ppt/slides/slide35.xml><?xml version="1.0" encoding="utf-8"?>
+<file path=ppt/slides/slide33.xml><?xml version="1.0" encoding="utf-8"?>
 <p:sld xmlns:a="http://schemas.openxmlformats.org/drawingml/2006/main" xmlns:r="http://schemas.openxmlformats.org/officeDocument/2006/relationships" xmlns:p="http://schemas.openxmlformats.org/presentationml/2006/main">
   <p:cSld>
     <p:spTree>
@@ -32246,7 +29582,7 @@
 </p:sld>
 </file>
 
-<file path=ppt/slides/slide36.xml><?xml version="1.0" encoding="utf-8"?>
+<file path=ppt/slides/slide34.xml><?xml version="1.0" encoding="utf-8"?>
 <p:sld xmlns:a="http://schemas.openxmlformats.org/drawingml/2006/main" xmlns:r="http://schemas.openxmlformats.org/officeDocument/2006/relationships" xmlns:p="http://schemas.openxmlformats.org/presentationml/2006/main">
   <p:cSld>
     <p:spTree>
@@ -33402,7 +30738,7 @@
 </p:sld>
 </file>
 
-<file path=ppt/slides/slide37.xml><?xml version="1.0" encoding="utf-8"?>
+<file path=ppt/slides/slide35.xml><?xml version="1.0" encoding="utf-8"?>
 <p:sld xmlns:a="http://schemas.openxmlformats.org/drawingml/2006/main" xmlns:r="http://schemas.openxmlformats.org/officeDocument/2006/relationships" xmlns:p="http://schemas.openxmlformats.org/presentationml/2006/main">
   <p:cSld>
     <p:spTree>
@@ -34518,7 +31854,7 @@
 </p:sld>
 </file>
 
-<file path=ppt/slides/slide38.xml><?xml version="1.0" encoding="utf-8"?>
+<file path=ppt/slides/slide36.xml><?xml version="1.0" encoding="utf-8"?>
 <p:sld xmlns:a="http://schemas.openxmlformats.org/drawingml/2006/main" xmlns:r="http://schemas.openxmlformats.org/officeDocument/2006/relationships" xmlns:p="http://schemas.openxmlformats.org/presentationml/2006/main">
   <p:cSld>
     <p:spTree>
@@ -35072,7 +32408,7 @@
 </p:sld>
 </file>
 
-<file path=ppt/slides/slide39.xml><?xml version="1.0" encoding="utf-8"?>
+<file path=ppt/slides/slide37.xml><?xml version="1.0" encoding="utf-8"?>
 <p:sld xmlns:a="http://schemas.openxmlformats.org/drawingml/2006/main" xmlns:r="http://schemas.openxmlformats.org/officeDocument/2006/relationships" xmlns:p="http://schemas.openxmlformats.org/presentationml/2006/main">
   <p:cSld>
     <p:spTree>
@@ -40558,20 +37894,20 @@
 </file>
 
 <file path=customXml/item1.xml><?xml version="1.0" encoding="utf-8"?>
-<p:properties xmlns:p="http://schemas.microsoft.com/office/2006/metadata/properties" xmlns:xsi="http://www.w3.org/2001/XMLSchema-instance" xmlns:pc="http://schemas.microsoft.com/office/infopath/2007/PartnerControls">
-  <documentManagement>
-    <_activity xmlns="b8e3617b-ecc6-4b7c-a41f-6f9e9c802129" xsi:nil="true"/>
-  </documentManagement>
-</p:properties>
-</file>
-
-<file path=customXml/item2.xml><?xml version="1.0" encoding="utf-8"?>
 <?mso-contentType ?>
 <FormTemplates xmlns="http://schemas.microsoft.com/sharepoint/v3/contenttype/forms">
   <Display>DocumentLibraryForm</Display>
   <Edit>DocumentLibraryForm</Edit>
   <New>DocumentLibraryForm</New>
 </FormTemplates>
+</file>
+
+<file path=customXml/item2.xml><?xml version="1.0" encoding="utf-8"?>
+<p:properties xmlns:p="http://schemas.microsoft.com/office/2006/metadata/properties" xmlns:xsi="http://www.w3.org/2001/XMLSchema-instance" xmlns:pc="http://schemas.microsoft.com/office/infopath/2007/PartnerControls">
+  <documentManagement>
+    <_activity xmlns="b8e3617b-ecc6-4b7c-a41f-6f9e9c802129" xsi:nil="true"/>
+  </documentManagement>
+</p:properties>
 </file>
 
 <file path=customXml/item3.xml><?xml version="1.0" encoding="utf-8"?>
@@ -40752,6 +38088,14 @@
 </file>
 
 <file path=customXml/itemProps1.xml><?xml version="1.0" encoding="utf-8"?>
+<ds:datastoreItem xmlns:ds="http://schemas.openxmlformats.org/officeDocument/2006/customXml" ds:itemID="{B27E5695-1A44-43EA-A574-DDBBE4113DA3}">
+  <ds:schemaRefs>
+    <ds:schemaRef ds:uri="http://schemas.microsoft.com/sharepoint/v3/contenttype/forms"/>
+  </ds:schemaRefs>
+</ds:datastoreItem>
+</file>
+
+<file path=customXml/itemProps2.xml><?xml version="1.0" encoding="utf-8"?>
 <ds:datastoreItem xmlns:ds="http://schemas.openxmlformats.org/officeDocument/2006/customXml" ds:itemID="{786ABB73-66E8-4616-8AF2-397162742A74}">
   <ds:schemaRefs>
     <ds:schemaRef ds:uri="http://schemas.microsoft.com/office/2006/documentManagement/types"/>
@@ -40764,14 +38108,6 @@
     <ds:schemaRef ds:uri="http://schemas.openxmlformats.org/package/2006/metadata/core-properties"/>
     <ds:schemaRef ds:uri="b8e3617b-ecc6-4b7c-a41f-6f9e9c802129"/>
     <ds:schemaRef ds:uri="http://www.w3.org/XML/1998/namespace"/>
-  </ds:schemaRefs>
-</ds:datastoreItem>
-</file>
-
-<file path=customXml/itemProps2.xml><?xml version="1.0" encoding="utf-8"?>
-<ds:datastoreItem xmlns:ds="http://schemas.openxmlformats.org/officeDocument/2006/customXml" ds:itemID="{B27E5695-1A44-43EA-A574-DDBBE4113DA3}">
-  <ds:schemaRefs>
-    <ds:schemaRef ds:uri="http://schemas.microsoft.com/sharepoint/v3/contenttype/forms"/>
   </ds:schemaRefs>
 </ds:datastoreItem>
 </file>
